--- a/PPT/Class period 7.pptx
+++ b/PPT/Class period 7.pptx
@@ -204,9 +204,9 @@
             </a:lvl1pPr>
           </a:lstStyle>
           <a:p>
-            <a:fld id="{6200335D-3781-45E3-9EB9-D69CABC81AE3}" type="datetimeFigureOut">
+            <a:fld id="{523C89B1-C62C-43B0-A50A-927C457A3BC5}" type="datetimeFigureOut">
               <a:rPr lang="en-US" smtClean="0"/>
-              <a:t>4/20/2024</a:t>
+              <a:t>5/15/2024</a:t>
             </a:fld>
             <a:endParaRPr lang="en-US"/>
           </a:p>
@@ -362,7 +362,7 @@
             </a:lvl1pPr>
           </a:lstStyle>
           <a:p>
-            <a:fld id="{DE49CF7E-241C-4562-BD45-78F79E435D93}" type="slidenum">
+            <a:fld id="{F21781FC-D1C6-4AE4-915E-DE094071758A}" type="slidenum">
               <a:rPr lang="en-US" smtClean="0"/>
               <a:t>‹#›</a:t>
             </a:fld>
@@ -373,7 +373,7 @@
     </p:spTree>
     <p:extLst>
       <p:ext uri="{BB962C8B-B14F-4D97-AF65-F5344CB8AC3E}">
-        <p14:creationId xmlns:p14="http://schemas.microsoft.com/office/powerpoint/2010/main" val="110192777"/>
+        <p14:creationId xmlns:p14="http://schemas.microsoft.com/office/powerpoint/2010/main" val="1993891448"/>
       </p:ext>
     </p:extLst>
   </p:cSld>
@@ -579,7 +579,7 @@
           <p:cNvPr id="2" name="Title 1">
             <a:extLst>
               <a:ext uri="{FF2B5EF4-FFF2-40B4-BE49-F238E27FC236}">
-                <a16:creationId xmlns:a16="http://schemas.microsoft.com/office/drawing/2014/main" id="{15F95E10-2D51-07E5-A96F-63AC336DF685}"/>
+                <a16:creationId xmlns:a16="http://schemas.microsoft.com/office/drawing/2014/main" id="{A02D3AC9-B83D-BAC7-8CCB-603698DF3E6A}"/>
               </a:ext>
             </a:extLst>
           </p:cNvPr>
@@ -616,7 +616,7 @@
           <p:cNvPr id="3" name="Subtitle 2">
             <a:extLst>
               <a:ext uri="{FF2B5EF4-FFF2-40B4-BE49-F238E27FC236}">
-                <a16:creationId xmlns:a16="http://schemas.microsoft.com/office/drawing/2014/main" id="{A733FF58-4AA6-B170-2D12-06DB2DBC8E72}"/>
+                <a16:creationId xmlns:a16="http://schemas.microsoft.com/office/drawing/2014/main" id="{9BD859CD-CED9-9642-E909-25930D12EFE6}"/>
               </a:ext>
             </a:extLst>
           </p:cNvPr>
@@ -686,7 +686,7 @@
           <p:cNvPr id="4" name="Date Placeholder 3">
             <a:extLst>
               <a:ext uri="{FF2B5EF4-FFF2-40B4-BE49-F238E27FC236}">
-                <a16:creationId xmlns:a16="http://schemas.microsoft.com/office/drawing/2014/main" id="{8F70B9CF-6966-94C1-44B0-A3C87CEF63A0}"/>
+                <a16:creationId xmlns:a16="http://schemas.microsoft.com/office/drawing/2014/main" id="{314D0357-3091-A943-EFED-C027F3E6B439}"/>
               </a:ext>
             </a:extLst>
           </p:cNvPr>
@@ -702,9 +702,9 @@
           <a:bodyPr/>
           <a:lstStyle/>
           <a:p>
-            <a:fld id="{B4AD9AA5-BC4B-41C0-B2E4-82EA0E582E0A}" type="datetimeFigureOut">
+            <a:fld id="{E0205F48-30D8-43FB-9610-C52D2383C10B}" type="datetimeFigureOut">
               <a:rPr lang="en-US" smtClean="0"/>
-              <a:t>4/20/2024</a:t>
+              <a:t>5/15/2024</a:t>
             </a:fld>
             <a:endParaRPr lang="en-US"/>
           </a:p>
@@ -715,7 +715,7 @@
           <p:cNvPr id="5" name="Footer Placeholder 4">
             <a:extLst>
               <a:ext uri="{FF2B5EF4-FFF2-40B4-BE49-F238E27FC236}">
-                <a16:creationId xmlns:a16="http://schemas.microsoft.com/office/drawing/2014/main" id="{7482F439-A142-D3FE-2785-90F05FE46512}"/>
+                <a16:creationId xmlns:a16="http://schemas.microsoft.com/office/drawing/2014/main" id="{53116457-DA71-27C9-C982-D874A84D440C}"/>
               </a:ext>
             </a:extLst>
           </p:cNvPr>
@@ -740,7 +740,7 @@
           <p:cNvPr id="6" name="Slide Number Placeholder 5">
             <a:extLst>
               <a:ext uri="{FF2B5EF4-FFF2-40B4-BE49-F238E27FC236}">
-                <a16:creationId xmlns:a16="http://schemas.microsoft.com/office/drawing/2014/main" id="{035AD444-355F-1DD5-8DC8-FA05C7F8362C}"/>
+                <a16:creationId xmlns:a16="http://schemas.microsoft.com/office/drawing/2014/main" id="{C445198D-2053-D4C5-B9D3-EC3818D71785}"/>
               </a:ext>
             </a:extLst>
           </p:cNvPr>
@@ -756,7 +756,7 @@
           <a:bodyPr/>
           <a:lstStyle/>
           <a:p>
-            <a:fld id="{E475A290-C2B0-4890-950B-0F62A280FBDF}" type="slidenum">
+            <a:fld id="{32F1B3BF-D417-4F14-A687-2142CBBAB075}" type="slidenum">
               <a:rPr lang="en-US" smtClean="0"/>
               <a:t>‹#›</a:t>
             </a:fld>
@@ -767,7 +767,7 @@
     </p:spTree>
     <p:extLst>
       <p:ext uri="{BB962C8B-B14F-4D97-AF65-F5344CB8AC3E}">
-        <p14:creationId xmlns:p14="http://schemas.microsoft.com/office/powerpoint/2010/main" val="3567771361"/>
+        <p14:creationId xmlns:p14="http://schemas.microsoft.com/office/powerpoint/2010/main" val="2450724616"/>
       </p:ext>
     </p:extLst>
   </p:cSld>
@@ -799,7 +799,7 @@
           <p:cNvPr id="2" name="Title 1">
             <a:extLst>
               <a:ext uri="{FF2B5EF4-FFF2-40B4-BE49-F238E27FC236}">
-                <a16:creationId xmlns:a16="http://schemas.microsoft.com/office/drawing/2014/main" id="{C75FD769-8B77-2699-B830-85805136FCC4}"/>
+                <a16:creationId xmlns:a16="http://schemas.microsoft.com/office/drawing/2014/main" id="{E816328F-5CA8-B0B8-4AD6-88B595CCA27E}"/>
               </a:ext>
             </a:extLst>
           </p:cNvPr>
@@ -827,7 +827,7 @@
           <p:cNvPr id="3" name="Vertical Text Placeholder 2">
             <a:extLst>
               <a:ext uri="{FF2B5EF4-FFF2-40B4-BE49-F238E27FC236}">
-                <a16:creationId xmlns:a16="http://schemas.microsoft.com/office/drawing/2014/main" id="{884DC6D5-0EB9-2350-FFE8-1B1BC741E4F6}"/>
+                <a16:creationId xmlns:a16="http://schemas.microsoft.com/office/drawing/2014/main" id="{FC4F189F-EC7E-66DA-E1B2-C7C637403A6B}"/>
               </a:ext>
             </a:extLst>
           </p:cNvPr>
@@ -884,7 +884,7 @@
           <p:cNvPr id="4" name="Date Placeholder 3">
             <a:extLst>
               <a:ext uri="{FF2B5EF4-FFF2-40B4-BE49-F238E27FC236}">
-                <a16:creationId xmlns:a16="http://schemas.microsoft.com/office/drawing/2014/main" id="{4732E60E-93E5-D2CA-FA0D-A26A81547BF0}"/>
+                <a16:creationId xmlns:a16="http://schemas.microsoft.com/office/drawing/2014/main" id="{E1306023-E4FA-3A28-868B-69649DA25997}"/>
               </a:ext>
             </a:extLst>
           </p:cNvPr>
@@ -900,9 +900,9 @@
           <a:bodyPr/>
           <a:lstStyle/>
           <a:p>
-            <a:fld id="{B4AD9AA5-BC4B-41C0-B2E4-82EA0E582E0A}" type="datetimeFigureOut">
+            <a:fld id="{E0205F48-30D8-43FB-9610-C52D2383C10B}" type="datetimeFigureOut">
               <a:rPr lang="en-US" smtClean="0"/>
-              <a:t>4/20/2024</a:t>
+              <a:t>5/15/2024</a:t>
             </a:fld>
             <a:endParaRPr lang="en-US"/>
           </a:p>
@@ -913,7 +913,7 @@
           <p:cNvPr id="5" name="Footer Placeholder 4">
             <a:extLst>
               <a:ext uri="{FF2B5EF4-FFF2-40B4-BE49-F238E27FC236}">
-                <a16:creationId xmlns:a16="http://schemas.microsoft.com/office/drawing/2014/main" id="{34BC878E-D76D-CC18-61DD-48419101B63A}"/>
+                <a16:creationId xmlns:a16="http://schemas.microsoft.com/office/drawing/2014/main" id="{8E85EFEE-8B6A-6D9F-AE89-65D760194E69}"/>
               </a:ext>
             </a:extLst>
           </p:cNvPr>
@@ -938,7 +938,7 @@
           <p:cNvPr id="6" name="Slide Number Placeholder 5">
             <a:extLst>
               <a:ext uri="{FF2B5EF4-FFF2-40B4-BE49-F238E27FC236}">
-                <a16:creationId xmlns:a16="http://schemas.microsoft.com/office/drawing/2014/main" id="{5A1C9223-6FA6-EFAB-713F-D46DE9986B09}"/>
+                <a16:creationId xmlns:a16="http://schemas.microsoft.com/office/drawing/2014/main" id="{1FA1EA39-AC72-8552-61C7-3B37813E7035}"/>
               </a:ext>
             </a:extLst>
           </p:cNvPr>
@@ -954,7 +954,7 @@
           <a:bodyPr/>
           <a:lstStyle/>
           <a:p>
-            <a:fld id="{E475A290-C2B0-4890-950B-0F62A280FBDF}" type="slidenum">
+            <a:fld id="{32F1B3BF-D417-4F14-A687-2142CBBAB075}" type="slidenum">
               <a:rPr lang="en-US" smtClean="0"/>
               <a:t>‹#›</a:t>
             </a:fld>
@@ -965,7 +965,7 @@
     </p:spTree>
     <p:extLst>
       <p:ext uri="{BB962C8B-B14F-4D97-AF65-F5344CB8AC3E}">
-        <p14:creationId xmlns:p14="http://schemas.microsoft.com/office/powerpoint/2010/main" val="1501927269"/>
+        <p14:creationId xmlns:p14="http://schemas.microsoft.com/office/powerpoint/2010/main" val="348858265"/>
       </p:ext>
     </p:extLst>
   </p:cSld>
@@ -997,7 +997,7 @@
           <p:cNvPr id="2" name="Vertical Title 1">
             <a:extLst>
               <a:ext uri="{FF2B5EF4-FFF2-40B4-BE49-F238E27FC236}">
-                <a16:creationId xmlns:a16="http://schemas.microsoft.com/office/drawing/2014/main" id="{C32F9DE3-3278-685A-2E9C-D0D8554B9F49}"/>
+                <a16:creationId xmlns:a16="http://schemas.microsoft.com/office/drawing/2014/main" id="{27F6EA41-A0B2-2A0C-FC7C-504E3B869BDC}"/>
               </a:ext>
             </a:extLst>
           </p:cNvPr>
@@ -1030,7 +1030,7 @@
           <p:cNvPr id="3" name="Vertical Text Placeholder 2">
             <a:extLst>
               <a:ext uri="{FF2B5EF4-FFF2-40B4-BE49-F238E27FC236}">
-                <a16:creationId xmlns:a16="http://schemas.microsoft.com/office/drawing/2014/main" id="{9619E940-1543-8D90-5E0D-643099EF0C66}"/>
+                <a16:creationId xmlns:a16="http://schemas.microsoft.com/office/drawing/2014/main" id="{61C8197D-45B1-4E18-B3E5-C80931F39711}"/>
               </a:ext>
             </a:extLst>
           </p:cNvPr>
@@ -1092,7 +1092,7 @@
           <p:cNvPr id="4" name="Date Placeholder 3">
             <a:extLst>
               <a:ext uri="{FF2B5EF4-FFF2-40B4-BE49-F238E27FC236}">
-                <a16:creationId xmlns:a16="http://schemas.microsoft.com/office/drawing/2014/main" id="{3F39E315-F83C-F5F9-E70A-8B9C99D99E7C}"/>
+                <a16:creationId xmlns:a16="http://schemas.microsoft.com/office/drawing/2014/main" id="{FA21F6F1-4D92-2D10-5BDD-6E2AFC0E51B4}"/>
               </a:ext>
             </a:extLst>
           </p:cNvPr>
@@ -1108,9 +1108,9 @@
           <a:bodyPr/>
           <a:lstStyle/>
           <a:p>
-            <a:fld id="{B4AD9AA5-BC4B-41C0-B2E4-82EA0E582E0A}" type="datetimeFigureOut">
+            <a:fld id="{E0205F48-30D8-43FB-9610-C52D2383C10B}" type="datetimeFigureOut">
               <a:rPr lang="en-US" smtClean="0"/>
-              <a:t>4/20/2024</a:t>
+              <a:t>5/15/2024</a:t>
             </a:fld>
             <a:endParaRPr lang="en-US"/>
           </a:p>
@@ -1121,7 +1121,7 @@
           <p:cNvPr id="5" name="Footer Placeholder 4">
             <a:extLst>
               <a:ext uri="{FF2B5EF4-FFF2-40B4-BE49-F238E27FC236}">
-                <a16:creationId xmlns:a16="http://schemas.microsoft.com/office/drawing/2014/main" id="{791E5F7B-F426-8AE4-9FA1-79D0EFCA43C5}"/>
+                <a16:creationId xmlns:a16="http://schemas.microsoft.com/office/drawing/2014/main" id="{FEBEC33E-9761-AF1E-C1D3-D4499E00B200}"/>
               </a:ext>
             </a:extLst>
           </p:cNvPr>
@@ -1146,7 +1146,7 @@
           <p:cNvPr id="6" name="Slide Number Placeholder 5">
             <a:extLst>
               <a:ext uri="{FF2B5EF4-FFF2-40B4-BE49-F238E27FC236}">
-                <a16:creationId xmlns:a16="http://schemas.microsoft.com/office/drawing/2014/main" id="{E3911C44-6D98-E8FB-E4B3-2C55EC1D160C}"/>
+                <a16:creationId xmlns:a16="http://schemas.microsoft.com/office/drawing/2014/main" id="{7B503A7C-C100-4A66-EEFB-A9334EADDB5B}"/>
               </a:ext>
             </a:extLst>
           </p:cNvPr>
@@ -1162,7 +1162,7 @@
           <a:bodyPr/>
           <a:lstStyle/>
           <a:p>
-            <a:fld id="{E475A290-C2B0-4890-950B-0F62A280FBDF}" type="slidenum">
+            <a:fld id="{32F1B3BF-D417-4F14-A687-2142CBBAB075}" type="slidenum">
               <a:rPr lang="en-US" smtClean="0"/>
               <a:t>‹#›</a:t>
             </a:fld>
@@ -1173,7 +1173,7 @@
     </p:spTree>
     <p:extLst>
       <p:ext uri="{BB962C8B-B14F-4D97-AF65-F5344CB8AC3E}">
-        <p14:creationId xmlns:p14="http://schemas.microsoft.com/office/powerpoint/2010/main" val="3738850728"/>
+        <p14:creationId xmlns:p14="http://schemas.microsoft.com/office/powerpoint/2010/main" val="564579977"/>
       </p:ext>
     </p:extLst>
   </p:cSld>
@@ -1205,7 +1205,7 @@
           <p:cNvPr id="2" name="Title 1">
             <a:extLst>
               <a:ext uri="{FF2B5EF4-FFF2-40B4-BE49-F238E27FC236}">
-                <a16:creationId xmlns:a16="http://schemas.microsoft.com/office/drawing/2014/main" id="{F47E78E5-257E-F76F-9F2D-8BEA5A2CF164}"/>
+                <a16:creationId xmlns:a16="http://schemas.microsoft.com/office/drawing/2014/main" id="{ECB10AA4-D393-7A01-8C15-F018749C8EBF}"/>
               </a:ext>
             </a:extLst>
           </p:cNvPr>
@@ -1233,7 +1233,7 @@
           <p:cNvPr id="3" name="Content Placeholder 2">
             <a:extLst>
               <a:ext uri="{FF2B5EF4-FFF2-40B4-BE49-F238E27FC236}">
-                <a16:creationId xmlns:a16="http://schemas.microsoft.com/office/drawing/2014/main" id="{03B99F44-82DA-01BE-5E43-0207C7D2F2D7}"/>
+                <a16:creationId xmlns:a16="http://schemas.microsoft.com/office/drawing/2014/main" id="{4BAB0994-352D-25A8-F3FB-B0176F513D16}"/>
               </a:ext>
             </a:extLst>
           </p:cNvPr>
@@ -1290,7 +1290,7 @@
           <p:cNvPr id="4" name="Date Placeholder 3">
             <a:extLst>
               <a:ext uri="{FF2B5EF4-FFF2-40B4-BE49-F238E27FC236}">
-                <a16:creationId xmlns:a16="http://schemas.microsoft.com/office/drawing/2014/main" id="{44C0B05B-DD0B-92B4-D94C-71657639B0F8}"/>
+                <a16:creationId xmlns:a16="http://schemas.microsoft.com/office/drawing/2014/main" id="{20C0C1BD-1DF7-088C-2A8B-C2166C3ADC89}"/>
               </a:ext>
             </a:extLst>
           </p:cNvPr>
@@ -1306,9 +1306,9 @@
           <a:bodyPr/>
           <a:lstStyle/>
           <a:p>
-            <a:fld id="{B4AD9AA5-BC4B-41C0-B2E4-82EA0E582E0A}" type="datetimeFigureOut">
+            <a:fld id="{E0205F48-30D8-43FB-9610-C52D2383C10B}" type="datetimeFigureOut">
               <a:rPr lang="en-US" smtClean="0"/>
-              <a:t>4/20/2024</a:t>
+              <a:t>5/15/2024</a:t>
             </a:fld>
             <a:endParaRPr lang="en-US"/>
           </a:p>
@@ -1319,7 +1319,7 @@
           <p:cNvPr id="5" name="Footer Placeholder 4">
             <a:extLst>
               <a:ext uri="{FF2B5EF4-FFF2-40B4-BE49-F238E27FC236}">
-                <a16:creationId xmlns:a16="http://schemas.microsoft.com/office/drawing/2014/main" id="{C0003B84-FA82-192C-2E36-C9D52A831539}"/>
+                <a16:creationId xmlns:a16="http://schemas.microsoft.com/office/drawing/2014/main" id="{50BAD0DB-FBD6-5B1E-9588-A02F8139A85F}"/>
               </a:ext>
             </a:extLst>
           </p:cNvPr>
@@ -1344,7 +1344,7 @@
           <p:cNvPr id="6" name="Slide Number Placeholder 5">
             <a:extLst>
               <a:ext uri="{FF2B5EF4-FFF2-40B4-BE49-F238E27FC236}">
-                <a16:creationId xmlns:a16="http://schemas.microsoft.com/office/drawing/2014/main" id="{DD41C47C-BD2E-058F-D3EB-A4B5AB076AA2}"/>
+                <a16:creationId xmlns:a16="http://schemas.microsoft.com/office/drawing/2014/main" id="{7851714C-EEDB-62A9-8A09-67569C0EAA2C}"/>
               </a:ext>
             </a:extLst>
           </p:cNvPr>
@@ -1360,7 +1360,7 @@
           <a:bodyPr/>
           <a:lstStyle/>
           <a:p>
-            <a:fld id="{E475A290-C2B0-4890-950B-0F62A280FBDF}" type="slidenum">
+            <a:fld id="{32F1B3BF-D417-4F14-A687-2142CBBAB075}" type="slidenum">
               <a:rPr lang="en-US" smtClean="0"/>
               <a:t>‹#›</a:t>
             </a:fld>
@@ -1371,7 +1371,7 @@
     </p:spTree>
     <p:extLst>
       <p:ext uri="{BB962C8B-B14F-4D97-AF65-F5344CB8AC3E}">
-        <p14:creationId xmlns:p14="http://schemas.microsoft.com/office/powerpoint/2010/main" val="3556765993"/>
+        <p14:creationId xmlns:p14="http://schemas.microsoft.com/office/powerpoint/2010/main" val="3490211651"/>
       </p:ext>
     </p:extLst>
   </p:cSld>
@@ -1403,7 +1403,7 @@
           <p:cNvPr id="2" name="Title 1">
             <a:extLst>
               <a:ext uri="{FF2B5EF4-FFF2-40B4-BE49-F238E27FC236}">
-                <a16:creationId xmlns:a16="http://schemas.microsoft.com/office/drawing/2014/main" id="{40546F90-453C-B9EE-6F74-0156EF985895}"/>
+                <a16:creationId xmlns:a16="http://schemas.microsoft.com/office/drawing/2014/main" id="{4F3D9DF0-DC69-7102-7F7B-867F07239F7A}"/>
               </a:ext>
             </a:extLst>
           </p:cNvPr>
@@ -1440,7 +1440,7 @@
           <p:cNvPr id="3" name="Text Placeholder 2">
             <a:extLst>
               <a:ext uri="{FF2B5EF4-FFF2-40B4-BE49-F238E27FC236}">
-                <a16:creationId xmlns:a16="http://schemas.microsoft.com/office/drawing/2014/main" id="{42A54E46-1E15-67DC-0747-E00411DC3776}"/>
+                <a16:creationId xmlns:a16="http://schemas.microsoft.com/office/drawing/2014/main" id="{2A623042-3171-B9A3-57B4-82E8DA68D7C3}"/>
               </a:ext>
             </a:extLst>
           </p:cNvPr>
@@ -1565,7 +1565,7 @@
           <p:cNvPr id="4" name="Date Placeholder 3">
             <a:extLst>
               <a:ext uri="{FF2B5EF4-FFF2-40B4-BE49-F238E27FC236}">
-                <a16:creationId xmlns:a16="http://schemas.microsoft.com/office/drawing/2014/main" id="{8085ED9A-4F50-876C-8F9C-84F1C1D2D10F}"/>
+                <a16:creationId xmlns:a16="http://schemas.microsoft.com/office/drawing/2014/main" id="{820C8965-E36D-C50F-BD7E-BEF2FC8A16B7}"/>
               </a:ext>
             </a:extLst>
           </p:cNvPr>
@@ -1581,9 +1581,9 @@
           <a:bodyPr/>
           <a:lstStyle/>
           <a:p>
-            <a:fld id="{B4AD9AA5-BC4B-41C0-B2E4-82EA0E582E0A}" type="datetimeFigureOut">
+            <a:fld id="{E0205F48-30D8-43FB-9610-C52D2383C10B}" type="datetimeFigureOut">
               <a:rPr lang="en-US" smtClean="0"/>
-              <a:t>4/20/2024</a:t>
+              <a:t>5/15/2024</a:t>
             </a:fld>
             <a:endParaRPr lang="en-US"/>
           </a:p>
@@ -1594,7 +1594,7 @@
           <p:cNvPr id="5" name="Footer Placeholder 4">
             <a:extLst>
               <a:ext uri="{FF2B5EF4-FFF2-40B4-BE49-F238E27FC236}">
-                <a16:creationId xmlns:a16="http://schemas.microsoft.com/office/drawing/2014/main" id="{1185E6FD-410B-DD14-1AE8-991BB2012631}"/>
+                <a16:creationId xmlns:a16="http://schemas.microsoft.com/office/drawing/2014/main" id="{DE0657EC-4FC6-939A-9201-3372E32AB3DF}"/>
               </a:ext>
             </a:extLst>
           </p:cNvPr>
@@ -1619,7 +1619,7 @@
           <p:cNvPr id="6" name="Slide Number Placeholder 5">
             <a:extLst>
               <a:ext uri="{FF2B5EF4-FFF2-40B4-BE49-F238E27FC236}">
-                <a16:creationId xmlns:a16="http://schemas.microsoft.com/office/drawing/2014/main" id="{81B24CDD-90A1-85B5-7E0F-9906A8388698}"/>
+                <a16:creationId xmlns:a16="http://schemas.microsoft.com/office/drawing/2014/main" id="{EC44674B-BBFA-47D0-28C1-AB1BE87FB284}"/>
               </a:ext>
             </a:extLst>
           </p:cNvPr>
@@ -1635,7 +1635,7 @@
           <a:bodyPr/>
           <a:lstStyle/>
           <a:p>
-            <a:fld id="{E475A290-C2B0-4890-950B-0F62A280FBDF}" type="slidenum">
+            <a:fld id="{32F1B3BF-D417-4F14-A687-2142CBBAB075}" type="slidenum">
               <a:rPr lang="en-US" smtClean="0"/>
               <a:t>‹#›</a:t>
             </a:fld>
@@ -1646,7 +1646,7 @@
     </p:spTree>
     <p:extLst>
       <p:ext uri="{BB962C8B-B14F-4D97-AF65-F5344CB8AC3E}">
-        <p14:creationId xmlns:p14="http://schemas.microsoft.com/office/powerpoint/2010/main" val="183733104"/>
+        <p14:creationId xmlns:p14="http://schemas.microsoft.com/office/powerpoint/2010/main" val="916920303"/>
       </p:ext>
     </p:extLst>
   </p:cSld>
@@ -1678,7 +1678,7 @@
           <p:cNvPr id="2" name="Title 1">
             <a:extLst>
               <a:ext uri="{FF2B5EF4-FFF2-40B4-BE49-F238E27FC236}">
-                <a16:creationId xmlns:a16="http://schemas.microsoft.com/office/drawing/2014/main" id="{C0DD314A-86D5-F96F-F290-1B57BE68D496}"/>
+                <a16:creationId xmlns:a16="http://schemas.microsoft.com/office/drawing/2014/main" id="{879D8B87-FDEF-C8D5-BE3F-68D3D7A08CD4}"/>
               </a:ext>
             </a:extLst>
           </p:cNvPr>
@@ -1706,7 +1706,7 @@
           <p:cNvPr id="3" name="Content Placeholder 2">
             <a:extLst>
               <a:ext uri="{FF2B5EF4-FFF2-40B4-BE49-F238E27FC236}">
-                <a16:creationId xmlns:a16="http://schemas.microsoft.com/office/drawing/2014/main" id="{2DEF1636-EDD6-E1FD-B5C2-5A2CF2AFB3A5}"/>
+                <a16:creationId xmlns:a16="http://schemas.microsoft.com/office/drawing/2014/main" id="{5EA8814A-E7A7-DE57-4914-46C3D9B93526}"/>
               </a:ext>
             </a:extLst>
           </p:cNvPr>
@@ -1768,7 +1768,7 @@
           <p:cNvPr id="4" name="Content Placeholder 3">
             <a:extLst>
               <a:ext uri="{FF2B5EF4-FFF2-40B4-BE49-F238E27FC236}">
-                <a16:creationId xmlns:a16="http://schemas.microsoft.com/office/drawing/2014/main" id="{D974E797-A7D6-D9BE-D63C-92F9B65EB029}"/>
+                <a16:creationId xmlns:a16="http://schemas.microsoft.com/office/drawing/2014/main" id="{5579AFEE-2E16-DEA2-4ED4-AFD45A0494CF}"/>
               </a:ext>
             </a:extLst>
           </p:cNvPr>
@@ -1830,7 +1830,7 @@
           <p:cNvPr id="5" name="Date Placeholder 4">
             <a:extLst>
               <a:ext uri="{FF2B5EF4-FFF2-40B4-BE49-F238E27FC236}">
-                <a16:creationId xmlns:a16="http://schemas.microsoft.com/office/drawing/2014/main" id="{DFFB7BDD-F7F0-5E6C-B243-D9236F2C3F19}"/>
+                <a16:creationId xmlns:a16="http://schemas.microsoft.com/office/drawing/2014/main" id="{86ED0A12-C946-A1D0-34F1-D9F910D786BB}"/>
               </a:ext>
             </a:extLst>
           </p:cNvPr>
@@ -1846,9 +1846,9 @@
           <a:bodyPr/>
           <a:lstStyle/>
           <a:p>
-            <a:fld id="{B4AD9AA5-BC4B-41C0-B2E4-82EA0E582E0A}" type="datetimeFigureOut">
+            <a:fld id="{E0205F48-30D8-43FB-9610-C52D2383C10B}" type="datetimeFigureOut">
               <a:rPr lang="en-US" smtClean="0"/>
-              <a:t>4/20/2024</a:t>
+              <a:t>5/15/2024</a:t>
             </a:fld>
             <a:endParaRPr lang="en-US"/>
           </a:p>
@@ -1859,7 +1859,7 @@
           <p:cNvPr id="6" name="Footer Placeholder 5">
             <a:extLst>
               <a:ext uri="{FF2B5EF4-FFF2-40B4-BE49-F238E27FC236}">
-                <a16:creationId xmlns:a16="http://schemas.microsoft.com/office/drawing/2014/main" id="{57116412-AD18-3C33-C48C-9C2BFA823C8D}"/>
+                <a16:creationId xmlns:a16="http://schemas.microsoft.com/office/drawing/2014/main" id="{236ACE41-00F6-B04B-955C-19DF849A0C28}"/>
               </a:ext>
             </a:extLst>
           </p:cNvPr>
@@ -1884,7 +1884,7 @@
           <p:cNvPr id="7" name="Slide Number Placeholder 6">
             <a:extLst>
               <a:ext uri="{FF2B5EF4-FFF2-40B4-BE49-F238E27FC236}">
-                <a16:creationId xmlns:a16="http://schemas.microsoft.com/office/drawing/2014/main" id="{D7D037AE-C3CC-FAB4-5550-DD0FF6AB46D4}"/>
+                <a16:creationId xmlns:a16="http://schemas.microsoft.com/office/drawing/2014/main" id="{801E75E9-B590-4348-0AF8-161BB9E82F8E}"/>
               </a:ext>
             </a:extLst>
           </p:cNvPr>
@@ -1900,7 +1900,7 @@
           <a:bodyPr/>
           <a:lstStyle/>
           <a:p>
-            <a:fld id="{E475A290-C2B0-4890-950B-0F62A280FBDF}" type="slidenum">
+            <a:fld id="{32F1B3BF-D417-4F14-A687-2142CBBAB075}" type="slidenum">
               <a:rPr lang="en-US" smtClean="0"/>
               <a:t>‹#›</a:t>
             </a:fld>
@@ -1911,7 +1911,7 @@
     </p:spTree>
     <p:extLst>
       <p:ext uri="{BB962C8B-B14F-4D97-AF65-F5344CB8AC3E}">
-        <p14:creationId xmlns:p14="http://schemas.microsoft.com/office/powerpoint/2010/main" val="3115104791"/>
+        <p14:creationId xmlns:p14="http://schemas.microsoft.com/office/powerpoint/2010/main" val="4254657958"/>
       </p:ext>
     </p:extLst>
   </p:cSld>
@@ -1943,7 +1943,7 @@
           <p:cNvPr id="2" name="Title 1">
             <a:extLst>
               <a:ext uri="{FF2B5EF4-FFF2-40B4-BE49-F238E27FC236}">
-                <a16:creationId xmlns:a16="http://schemas.microsoft.com/office/drawing/2014/main" id="{D3634B73-DD87-617C-0009-F33A0ED2A3A2}"/>
+                <a16:creationId xmlns:a16="http://schemas.microsoft.com/office/drawing/2014/main" id="{EA76A0E6-B30C-56ED-0BF8-534B523B64A0}"/>
               </a:ext>
             </a:extLst>
           </p:cNvPr>
@@ -1976,7 +1976,7 @@
           <p:cNvPr id="3" name="Text Placeholder 2">
             <a:extLst>
               <a:ext uri="{FF2B5EF4-FFF2-40B4-BE49-F238E27FC236}">
-                <a16:creationId xmlns:a16="http://schemas.microsoft.com/office/drawing/2014/main" id="{D157623E-E470-C589-7D20-78E6430725F2}"/>
+                <a16:creationId xmlns:a16="http://schemas.microsoft.com/office/drawing/2014/main" id="{565489A7-7154-7551-3E61-632A2B59835E}"/>
               </a:ext>
             </a:extLst>
           </p:cNvPr>
@@ -2047,7 +2047,7 @@
           <p:cNvPr id="4" name="Content Placeholder 3">
             <a:extLst>
               <a:ext uri="{FF2B5EF4-FFF2-40B4-BE49-F238E27FC236}">
-                <a16:creationId xmlns:a16="http://schemas.microsoft.com/office/drawing/2014/main" id="{4643EB3A-2995-2D83-85BE-CD3E4592CA7B}"/>
+                <a16:creationId xmlns:a16="http://schemas.microsoft.com/office/drawing/2014/main" id="{5B185084-7028-CBEF-0F0B-6649A1C4A388}"/>
               </a:ext>
             </a:extLst>
           </p:cNvPr>
@@ -2109,7 +2109,7 @@
           <p:cNvPr id="5" name="Text Placeholder 4">
             <a:extLst>
               <a:ext uri="{FF2B5EF4-FFF2-40B4-BE49-F238E27FC236}">
-                <a16:creationId xmlns:a16="http://schemas.microsoft.com/office/drawing/2014/main" id="{E3B39AF1-7B39-8403-8D14-C201D65869B5}"/>
+                <a16:creationId xmlns:a16="http://schemas.microsoft.com/office/drawing/2014/main" id="{82A0621B-3324-AD6D-39D9-1337B291D337}"/>
               </a:ext>
             </a:extLst>
           </p:cNvPr>
@@ -2180,7 +2180,7 @@
           <p:cNvPr id="6" name="Content Placeholder 5">
             <a:extLst>
               <a:ext uri="{FF2B5EF4-FFF2-40B4-BE49-F238E27FC236}">
-                <a16:creationId xmlns:a16="http://schemas.microsoft.com/office/drawing/2014/main" id="{630B885D-7185-9FE9-8006-85A5069B3D9F}"/>
+                <a16:creationId xmlns:a16="http://schemas.microsoft.com/office/drawing/2014/main" id="{BBCCA9CF-D945-A54E-A823-B08F9DFBC79B}"/>
               </a:ext>
             </a:extLst>
           </p:cNvPr>
@@ -2242,7 +2242,7 @@
           <p:cNvPr id="7" name="Date Placeholder 6">
             <a:extLst>
               <a:ext uri="{FF2B5EF4-FFF2-40B4-BE49-F238E27FC236}">
-                <a16:creationId xmlns:a16="http://schemas.microsoft.com/office/drawing/2014/main" id="{69562AD5-B231-5A0C-7D66-CEE6C3DCC23F}"/>
+                <a16:creationId xmlns:a16="http://schemas.microsoft.com/office/drawing/2014/main" id="{5200A07D-44D7-1F23-177C-45D93E5F4C74}"/>
               </a:ext>
             </a:extLst>
           </p:cNvPr>
@@ -2258,9 +2258,9 @@
           <a:bodyPr/>
           <a:lstStyle/>
           <a:p>
-            <a:fld id="{B4AD9AA5-BC4B-41C0-B2E4-82EA0E582E0A}" type="datetimeFigureOut">
+            <a:fld id="{E0205F48-30D8-43FB-9610-C52D2383C10B}" type="datetimeFigureOut">
               <a:rPr lang="en-US" smtClean="0"/>
-              <a:t>4/20/2024</a:t>
+              <a:t>5/15/2024</a:t>
             </a:fld>
             <a:endParaRPr lang="en-US"/>
           </a:p>
@@ -2271,7 +2271,7 @@
           <p:cNvPr id="8" name="Footer Placeholder 7">
             <a:extLst>
               <a:ext uri="{FF2B5EF4-FFF2-40B4-BE49-F238E27FC236}">
-                <a16:creationId xmlns:a16="http://schemas.microsoft.com/office/drawing/2014/main" id="{00750749-0E30-2789-251A-44ED3AD3A879}"/>
+                <a16:creationId xmlns:a16="http://schemas.microsoft.com/office/drawing/2014/main" id="{0B1BBD8E-86F3-5450-9961-9FB78472948A}"/>
               </a:ext>
             </a:extLst>
           </p:cNvPr>
@@ -2296,7 +2296,7 @@
           <p:cNvPr id="9" name="Slide Number Placeholder 8">
             <a:extLst>
               <a:ext uri="{FF2B5EF4-FFF2-40B4-BE49-F238E27FC236}">
-                <a16:creationId xmlns:a16="http://schemas.microsoft.com/office/drawing/2014/main" id="{2AC08312-80D4-379A-E674-73F2693697CA}"/>
+                <a16:creationId xmlns:a16="http://schemas.microsoft.com/office/drawing/2014/main" id="{7E519FD5-8D24-F667-EDC6-5EBF0D1A2655}"/>
               </a:ext>
             </a:extLst>
           </p:cNvPr>
@@ -2312,7 +2312,7 @@
           <a:bodyPr/>
           <a:lstStyle/>
           <a:p>
-            <a:fld id="{E475A290-C2B0-4890-950B-0F62A280FBDF}" type="slidenum">
+            <a:fld id="{32F1B3BF-D417-4F14-A687-2142CBBAB075}" type="slidenum">
               <a:rPr lang="en-US" smtClean="0"/>
               <a:t>‹#›</a:t>
             </a:fld>
@@ -2323,7 +2323,7 @@
     </p:spTree>
     <p:extLst>
       <p:ext uri="{BB962C8B-B14F-4D97-AF65-F5344CB8AC3E}">
-        <p14:creationId xmlns:p14="http://schemas.microsoft.com/office/powerpoint/2010/main" val="1333411890"/>
+        <p14:creationId xmlns:p14="http://schemas.microsoft.com/office/powerpoint/2010/main" val="3805576318"/>
       </p:ext>
     </p:extLst>
   </p:cSld>
@@ -2355,7 +2355,7 @@
           <p:cNvPr id="2" name="Title 1">
             <a:extLst>
               <a:ext uri="{FF2B5EF4-FFF2-40B4-BE49-F238E27FC236}">
-                <a16:creationId xmlns:a16="http://schemas.microsoft.com/office/drawing/2014/main" id="{968E34D6-B464-1E74-6ADF-F88243B54CA6}"/>
+                <a16:creationId xmlns:a16="http://schemas.microsoft.com/office/drawing/2014/main" id="{856876D3-8E88-1EDC-C407-87F0ECA35962}"/>
               </a:ext>
             </a:extLst>
           </p:cNvPr>
@@ -2383,7 +2383,7 @@
           <p:cNvPr id="3" name="Date Placeholder 2">
             <a:extLst>
               <a:ext uri="{FF2B5EF4-FFF2-40B4-BE49-F238E27FC236}">
-                <a16:creationId xmlns:a16="http://schemas.microsoft.com/office/drawing/2014/main" id="{8E15B53D-4EB2-1320-C9FB-D58BF94518B1}"/>
+                <a16:creationId xmlns:a16="http://schemas.microsoft.com/office/drawing/2014/main" id="{078DAD31-1E89-943E-05A1-BD56899EC4E1}"/>
               </a:ext>
             </a:extLst>
           </p:cNvPr>
@@ -2399,9 +2399,9 @@
           <a:bodyPr/>
           <a:lstStyle/>
           <a:p>
-            <a:fld id="{B4AD9AA5-BC4B-41C0-B2E4-82EA0E582E0A}" type="datetimeFigureOut">
+            <a:fld id="{E0205F48-30D8-43FB-9610-C52D2383C10B}" type="datetimeFigureOut">
               <a:rPr lang="en-US" smtClean="0"/>
-              <a:t>4/20/2024</a:t>
+              <a:t>5/15/2024</a:t>
             </a:fld>
             <a:endParaRPr lang="en-US"/>
           </a:p>
@@ -2412,7 +2412,7 @@
           <p:cNvPr id="4" name="Footer Placeholder 3">
             <a:extLst>
               <a:ext uri="{FF2B5EF4-FFF2-40B4-BE49-F238E27FC236}">
-                <a16:creationId xmlns:a16="http://schemas.microsoft.com/office/drawing/2014/main" id="{196AD229-1535-0D0E-DBD8-6872C6FC5F81}"/>
+                <a16:creationId xmlns:a16="http://schemas.microsoft.com/office/drawing/2014/main" id="{8CD6CE10-4E40-BA3D-010A-1DD3B93DAE08}"/>
               </a:ext>
             </a:extLst>
           </p:cNvPr>
@@ -2437,7 +2437,7 @@
           <p:cNvPr id="5" name="Slide Number Placeholder 4">
             <a:extLst>
               <a:ext uri="{FF2B5EF4-FFF2-40B4-BE49-F238E27FC236}">
-                <a16:creationId xmlns:a16="http://schemas.microsoft.com/office/drawing/2014/main" id="{63114FE5-F23B-D6C5-D8F4-7DA267D5A8EA}"/>
+                <a16:creationId xmlns:a16="http://schemas.microsoft.com/office/drawing/2014/main" id="{A65563A4-2124-8B62-1DBF-872D9B3D2087}"/>
               </a:ext>
             </a:extLst>
           </p:cNvPr>
@@ -2453,7 +2453,7 @@
           <a:bodyPr/>
           <a:lstStyle/>
           <a:p>
-            <a:fld id="{E475A290-C2B0-4890-950B-0F62A280FBDF}" type="slidenum">
+            <a:fld id="{32F1B3BF-D417-4F14-A687-2142CBBAB075}" type="slidenum">
               <a:rPr lang="en-US" smtClean="0"/>
               <a:t>‹#›</a:t>
             </a:fld>
@@ -2464,7 +2464,7 @@
     </p:spTree>
     <p:extLst>
       <p:ext uri="{BB962C8B-B14F-4D97-AF65-F5344CB8AC3E}">
-        <p14:creationId xmlns:p14="http://schemas.microsoft.com/office/powerpoint/2010/main" val="2650048742"/>
+        <p14:creationId xmlns:p14="http://schemas.microsoft.com/office/powerpoint/2010/main" val="3493554343"/>
       </p:ext>
     </p:extLst>
   </p:cSld>
@@ -2496,7 +2496,7 @@
           <p:cNvPr id="2" name="Date Placeholder 1">
             <a:extLst>
               <a:ext uri="{FF2B5EF4-FFF2-40B4-BE49-F238E27FC236}">
-                <a16:creationId xmlns:a16="http://schemas.microsoft.com/office/drawing/2014/main" id="{8AEDE456-27B3-3BB0-09CD-915DA46BA044}"/>
+                <a16:creationId xmlns:a16="http://schemas.microsoft.com/office/drawing/2014/main" id="{F3A3D592-3735-E34A-2583-8A796DFE9645}"/>
               </a:ext>
             </a:extLst>
           </p:cNvPr>
@@ -2512,9 +2512,9 @@
           <a:bodyPr/>
           <a:lstStyle/>
           <a:p>
-            <a:fld id="{B4AD9AA5-BC4B-41C0-B2E4-82EA0E582E0A}" type="datetimeFigureOut">
+            <a:fld id="{E0205F48-30D8-43FB-9610-C52D2383C10B}" type="datetimeFigureOut">
               <a:rPr lang="en-US" smtClean="0"/>
-              <a:t>4/20/2024</a:t>
+              <a:t>5/15/2024</a:t>
             </a:fld>
             <a:endParaRPr lang="en-US"/>
           </a:p>
@@ -2525,7 +2525,7 @@
           <p:cNvPr id="3" name="Footer Placeholder 2">
             <a:extLst>
               <a:ext uri="{FF2B5EF4-FFF2-40B4-BE49-F238E27FC236}">
-                <a16:creationId xmlns:a16="http://schemas.microsoft.com/office/drawing/2014/main" id="{E141A950-02E3-956F-B1FC-4A7BE7FFD6A3}"/>
+                <a16:creationId xmlns:a16="http://schemas.microsoft.com/office/drawing/2014/main" id="{7D9D3104-664F-E263-A3D7-947D30F49B68}"/>
               </a:ext>
             </a:extLst>
           </p:cNvPr>
@@ -2550,7 +2550,7 @@
           <p:cNvPr id="4" name="Slide Number Placeholder 3">
             <a:extLst>
               <a:ext uri="{FF2B5EF4-FFF2-40B4-BE49-F238E27FC236}">
-                <a16:creationId xmlns:a16="http://schemas.microsoft.com/office/drawing/2014/main" id="{0CAE3D2A-B07D-05EC-1130-08410C2B7CAA}"/>
+                <a16:creationId xmlns:a16="http://schemas.microsoft.com/office/drawing/2014/main" id="{56186B09-A0FF-6F9E-CD6E-CD3B4686DE4C}"/>
               </a:ext>
             </a:extLst>
           </p:cNvPr>
@@ -2566,7 +2566,7 @@
           <a:bodyPr/>
           <a:lstStyle/>
           <a:p>
-            <a:fld id="{E475A290-C2B0-4890-950B-0F62A280FBDF}" type="slidenum">
+            <a:fld id="{32F1B3BF-D417-4F14-A687-2142CBBAB075}" type="slidenum">
               <a:rPr lang="en-US" smtClean="0"/>
               <a:t>‹#›</a:t>
             </a:fld>
@@ -2577,7 +2577,7 @@
     </p:spTree>
     <p:extLst>
       <p:ext uri="{BB962C8B-B14F-4D97-AF65-F5344CB8AC3E}">
-        <p14:creationId xmlns:p14="http://schemas.microsoft.com/office/powerpoint/2010/main" val="3141839108"/>
+        <p14:creationId xmlns:p14="http://schemas.microsoft.com/office/powerpoint/2010/main" val="3389911995"/>
       </p:ext>
     </p:extLst>
   </p:cSld>
@@ -2609,7 +2609,7 @@
           <p:cNvPr id="2" name="Title 1">
             <a:extLst>
               <a:ext uri="{FF2B5EF4-FFF2-40B4-BE49-F238E27FC236}">
-                <a16:creationId xmlns:a16="http://schemas.microsoft.com/office/drawing/2014/main" id="{D2517EBE-D81D-D03E-6FBA-7980868C8A22}"/>
+                <a16:creationId xmlns:a16="http://schemas.microsoft.com/office/drawing/2014/main" id="{52529C7E-966E-F19C-405A-9E51F39CA907}"/>
               </a:ext>
             </a:extLst>
           </p:cNvPr>
@@ -2646,7 +2646,7 @@
           <p:cNvPr id="3" name="Content Placeholder 2">
             <a:extLst>
               <a:ext uri="{FF2B5EF4-FFF2-40B4-BE49-F238E27FC236}">
-                <a16:creationId xmlns:a16="http://schemas.microsoft.com/office/drawing/2014/main" id="{C5EFB680-A19F-887C-7759-B3451138FAFD}"/>
+                <a16:creationId xmlns:a16="http://schemas.microsoft.com/office/drawing/2014/main" id="{D27C3371-0349-D2F9-74AA-40B71C4EDB1B}"/>
               </a:ext>
             </a:extLst>
           </p:cNvPr>
@@ -2736,7 +2736,7 @@
           <p:cNvPr id="4" name="Text Placeholder 3">
             <a:extLst>
               <a:ext uri="{FF2B5EF4-FFF2-40B4-BE49-F238E27FC236}">
-                <a16:creationId xmlns:a16="http://schemas.microsoft.com/office/drawing/2014/main" id="{33741002-35FE-0BA4-72FD-A69694177B4D}"/>
+                <a16:creationId xmlns:a16="http://schemas.microsoft.com/office/drawing/2014/main" id="{90778314-B0AD-D368-2A5B-27C26CE91BEA}"/>
               </a:ext>
             </a:extLst>
           </p:cNvPr>
@@ -2807,7 +2807,7 @@
           <p:cNvPr id="5" name="Date Placeholder 4">
             <a:extLst>
               <a:ext uri="{FF2B5EF4-FFF2-40B4-BE49-F238E27FC236}">
-                <a16:creationId xmlns:a16="http://schemas.microsoft.com/office/drawing/2014/main" id="{91384A00-7A31-9F08-FE27-85EE97FBD740}"/>
+                <a16:creationId xmlns:a16="http://schemas.microsoft.com/office/drawing/2014/main" id="{9A5D4442-D39D-1665-01AC-124C2C7026A6}"/>
               </a:ext>
             </a:extLst>
           </p:cNvPr>
@@ -2823,9 +2823,9 @@
           <a:bodyPr/>
           <a:lstStyle/>
           <a:p>
-            <a:fld id="{B4AD9AA5-BC4B-41C0-B2E4-82EA0E582E0A}" type="datetimeFigureOut">
+            <a:fld id="{E0205F48-30D8-43FB-9610-C52D2383C10B}" type="datetimeFigureOut">
               <a:rPr lang="en-US" smtClean="0"/>
-              <a:t>4/20/2024</a:t>
+              <a:t>5/15/2024</a:t>
             </a:fld>
             <a:endParaRPr lang="en-US"/>
           </a:p>
@@ -2836,7 +2836,7 @@
           <p:cNvPr id="6" name="Footer Placeholder 5">
             <a:extLst>
               <a:ext uri="{FF2B5EF4-FFF2-40B4-BE49-F238E27FC236}">
-                <a16:creationId xmlns:a16="http://schemas.microsoft.com/office/drawing/2014/main" id="{AE2DB0D7-3608-2BC2-91DC-414AA5ED9983}"/>
+                <a16:creationId xmlns:a16="http://schemas.microsoft.com/office/drawing/2014/main" id="{9C18777B-2751-993D-20A2-F027D07D1F13}"/>
               </a:ext>
             </a:extLst>
           </p:cNvPr>
@@ -2861,7 +2861,7 @@
           <p:cNvPr id="7" name="Slide Number Placeholder 6">
             <a:extLst>
               <a:ext uri="{FF2B5EF4-FFF2-40B4-BE49-F238E27FC236}">
-                <a16:creationId xmlns:a16="http://schemas.microsoft.com/office/drawing/2014/main" id="{5B4A5607-35DA-14E1-6C54-1952AB85C079}"/>
+                <a16:creationId xmlns:a16="http://schemas.microsoft.com/office/drawing/2014/main" id="{441911F9-13B8-1973-EFE2-56566D50176D}"/>
               </a:ext>
             </a:extLst>
           </p:cNvPr>
@@ -2877,7 +2877,7 @@
           <a:bodyPr/>
           <a:lstStyle/>
           <a:p>
-            <a:fld id="{E475A290-C2B0-4890-950B-0F62A280FBDF}" type="slidenum">
+            <a:fld id="{32F1B3BF-D417-4F14-A687-2142CBBAB075}" type="slidenum">
               <a:rPr lang="en-US" smtClean="0"/>
               <a:t>‹#›</a:t>
             </a:fld>
@@ -2888,7 +2888,7 @@
     </p:spTree>
     <p:extLst>
       <p:ext uri="{BB962C8B-B14F-4D97-AF65-F5344CB8AC3E}">
-        <p14:creationId xmlns:p14="http://schemas.microsoft.com/office/powerpoint/2010/main" val="2457527861"/>
+        <p14:creationId xmlns:p14="http://schemas.microsoft.com/office/powerpoint/2010/main" val="1680766765"/>
       </p:ext>
     </p:extLst>
   </p:cSld>
@@ -2920,7 +2920,7 @@
           <p:cNvPr id="2" name="Title 1">
             <a:extLst>
               <a:ext uri="{FF2B5EF4-FFF2-40B4-BE49-F238E27FC236}">
-                <a16:creationId xmlns:a16="http://schemas.microsoft.com/office/drawing/2014/main" id="{6525AB4B-7E4E-A7AC-ADA6-834E70FA50AD}"/>
+                <a16:creationId xmlns:a16="http://schemas.microsoft.com/office/drawing/2014/main" id="{20E128E8-8DDD-7F05-E8EE-894832A82F7A}"/>
               </a:ext>
             </a:extLst>
           </p:cNvPr>
@@ -2957,7 +2957,7 @@
           <p:cNvPr id="3" name="Picture Placeholder 2">
             <a:extLst>
               <a:ext uri="{FF2B5EF4-FFF2-40B4-BE49-F238E27FC236}">
-                <a16:creationId xmlns:a16="http://schemas.microsoft.com/office/drawing/2014/main" id="{B379C273-7CDF-CD24-F512-EF1AAE31BEB1}"/>
+                <a16:creationId xmlns:a16="http://schemas.microsoft.com/office/drawing/2014/main" id="{756E736A-A630-92EE-AE3B-A119B99916B0}"/>
               </a:ext>
             </a:extLst>
           </p:cNvPr>
@@ -3024,7 +3024,7 @@
           <p:cNvPr id="4" name="Text Placeholder 3">
             <a:extLst>
               <a:ext uri="{FF2B5EF4-FFF2-40B4-BE49-F238E27FC236}">
-                <a16:creationId xmlns:a16="http://schemas.microsoft.com/office/drawing/2014/main" id="{9F4299D3-03A2-55ED-48BE-E1A1C41AD1E1}"/>
+                <a16:creationId xmlns:a16="http://schemas.microsoft.com/office/drawing/2014/main" id="{CC12FAA2-0EB4-8396-49A7-47BE0C71ECA2}"/>
               </a:ext>
             </a:extLst>
           </p:cNvPr>
@@ -3095,7 +3095,7 @@
           <p:cNvPr id="5" name="Date Placeholder 4">
             <a:extLst>
               <a:ext uri="{FF2B5EF4-FFF2-40B4-BE49-F238E27FC236}">
-                <a16:creationId xmlns:a16="http://schemas.microsoft.com/office/drawing/2014/main" id="{490A02CF-1740-B453-3049-FB843852F47F}"/>
+                <a16:creationId xmlns:a16="http://schemas.microsoft.com/office/drawing/2014/main" id="{84CC4F0F-3BDA-5680-5B97-45387B134BA7}"/>
               </a:ext>
             </a:extLst>
           </p:cNvPr>
@@ -3111,9 +3111,9 @@
           <a:bodyPr/>
           <a:lstStyle/>
           <a:p>
-            <a:fld id="{B4AD9AA5-BC4B-41C0-B2E4-82EA0E582E0A}" type="datetimeFigureOut">
+            <a:fld id="{E0205F48-30D8-43FB-9610-C52D2383C10B}" type="datetimeFigureOut">
               <a:rPr lang="en-US" smtClean="0"/>
-              <a:t>4/20/2024</a:t>
+              <a:t>5/15/2024</a:t>
             </a:fld>
             <a:endParaRPr lang="en-US"/>
           </a:p>
@@ -3124,7 +3124,7 @@
           <p:cNvPr id="6" name="Footer Placeholder 5">
             <a:extLst>
               <a:ext uri="{FF2B5EF4-FFF2-40B4-BE49-F238E27FC236}">
-                <a16:creationId xmlns:a16="http://schemas.microsoft.com/office/drawing/2014/main" id="{51465FA6-C908-5DF7-15F8-DC163A9D75E7}"/>
+                <a16:creationId xmlns:a16="http://schemas.microsoft.com/office/drawing/2014/main" id="{CFB7DBD6-A0AA-99C5-49D0-E636CD6B25DE}"/>
               </a:ext>
             </a:extLst>
           </p:cNvPr>
@@ -3149,7 +3149,7 @@
           <p:cNvPr id="7" name="Slide Number Placeholder 6">
             <a:extLst>
               <a:ext uri="{FF2B5EF4-FFF2-40B4-BE49-F238E27FC236}">
-                <a16:creationId xmlns:a16="http://schemas.microsoft.com/office/drawing/2014/main" id="{A916C63F-E372-09CC-1BA9-DE1D147816F7}"/>
+                <a16:creationId xmlns:a16="http://schemas.microsoft.com/office/drawing/2014/main" id="{F95092C5-8302-8A1C-A56D-33ABA580B683}"/>
               </a:ext>
             </a:extLst>
           </p:cNvPr>
@@ -3165,7 +3165,7 @@
           <a:bodyPr/>
           <a:lstStyle/>
           <a:p>
-            <a:fld id="{E475A290-C2B0-4890-950B-0F62A280FBDF}" type="slidenum">
+            <a:fld id="{32F1B3BF-D417-4F14-A687-2142CBBAB075}" type="slidenum">
               <a:rPr lang="en-US" smtClean="0"/>
               <a:t>‹#›</a:t>
             </a:fld>
@@ -3176,7 +3176,7 @@
     </p:spTree>
     <p:extLst>
       <p:ext uri="{BB962C8B-B14F-4D97-AF65-F5344CB8AC3E}">
-        <p14:creationId xmlns:p14="http://schemas.microsoft.com/office/powerpoint/2010/main" val="1009471653"/>
+        <p14:creationId xmlns:p14="http://schemas.microsoft.com/office/powerpoint/2010/main" val="1799272427"/>
       </p:ext>
     </p:extLst>
   </p:cSld>
@@ -3213,7 +3213,7 @@
           <p:cNvPr id="2" name="Title Placeholder 1">
             <a:extLst>
               <a:ext uri="{FF2B5EF4-FFF2-40B4-BE49-F238E27FC236}">
-                <a16:creationId xmlns:a16="http://schemas.microsoft.com/office/drawing/2014/main" id="{EB52770F-605F-AB70-FCD0-48E63004B6F8}"/>
+                <a16:creationId xmlns:a16="http://schemas.microsoft.com/office/drawing/2014/main" id="{6B7475E8-6A1E-DF17-413D-86EE95AAC2E3}"/>
               </a:ext>
             </a:extLst>
           </p:cNvPr>
@@ -3251,7 +3251,7 @@
           <p:cNvPr id="3" name="Text Placeholder 2">
             <a:extLst>
               <a:ext uri="{FF2B5EF4-FFF2-40B4-BE49-F238E27FC236}">
-                <a16:creationId xmlns:a16="http://schemas.microsoft.com/office/drawing/2014/main" id="{D043F98B-93A0-CFC9-6568-ADD120E5106A}"/>
+                <a16:creationId xmlns:a16="http://schemas.microsoft.com/office/drawing/2014/main" id="{3B611784-EABD-7FCD-2AB5-44F2DE964966}"/>
               </a:ext>
             </a:extLst>
           </p:cNvPr>
@@ -3318,7 +3318,7 @@
           <p:cNvPr id="4" name="Date Placeholder 3">
             <a:extLst>
               <a:ext uri="{FF2B5EF4-FFF2-40B4-BE49-F238E27FC236}">
-                <a16:creationId xmlns:a16="http://schemas.microsoft.com/office/drawing/2014/main" id="{ACC83DF0-A9D4-44F1-708A-0A32344B7D02}"/>
+                <a16:creationId xmlns:a16="http://schemas.microsoft.com/office/drawing/2014/main" id="{E4212556-D70F-2259-7D2A-BC9A1548DBF5}"/>
               </a:ext>
             </a:extLst>
           </p:cNvPr>
@@ -3352,9 +3352,9 @@
             </a:lvl1pPr>
           </a:lstStyle>
           <a:p>
-            <a:fld id="{B4AD9AA5-BC4B-41C0-B2E4-82EA0E582E0A}" type="datetimeFigureOut">
+            <a:fld id="{E0205F48-30D8-43FB-9610-C52D2383C10B}" type="datetimeFigureOut">
               <a:rPr lang="en-US" smtClean="0"/>
-              <a:t>4/20/2024</a:t>
+              <a:t>5/15/2024</a:t>
             </a:fld>
             <a:endParaRPr lang="en-US"/>
           </a:p>
@@ -3365,7 +3365,7 @@
           <p:cNvPr id="5" name="Footer Placeholder 4">
             <a:extLst>
               <a:ext uri="{FF2B5EF4-FFF2-40B4-BE49-F238E27FC236}">
-                <a16:creationId xmlns:a16="http://schemas.microsoft.com/office/drawing/2014/main" id="{764B3ED8-4D10-FB43-1E78-1271C2AB7F41}"/>
+                <a16:creationId xmlns:a16="http://schemas.microsoft.com/office/drawing/2014/main" id="{DFB4E0D4-F914-8E56-6EE3-6C77DF833C30}"/>
               </a:ext>
             </a:extLst>
           </p:cNvPr>
@@ -3408,7 +3408,7 @@
           <p:cNvPr id="6" name="Slide Number Placeholder 5">
             <a:extLst>
               <a:ext uri="{FF2B5EF4-FFF2-40B4-BE49-F238E27FC236}">
-                <a16:creationId xmlns:a16="http://schemas.microsoft.com/office/drawing/2014/main" id="{ECEFEC6A-4A3D-3BCF-EEFF-5E4C528F9EE9}"/>
+                <a16:creationId xmlns:a16="http://schemas.microsoft.com/office/drawing/2014/main" id="{F0AF58E6-A1D8-E98B-6446-6F38505D1BEF}"/>
               </a:ext>
             </a:extLst>
           </p:cNvPr>
@@ -3442,7 +3442,7 @@
             </a:lvl1pPr>
           </a:lstStyle>
           <a:p>
-            <a:fld id="{E475A290-C2B0-4890-950B-0F62A280FBDF}" type="slidenum">
+            <a:fld id="{32F1B3BF-D417-4F14-A687-2142CBBAB075}" type="slidenum">
               <a:rPr lang="en-US" smtClean="0"/>
               <a:t>‹#›</a:t>
             </a:fld>
@@ -3453,7 +3453,7 @@
     </p:spTree>
     <p:extLst>
       <p:ext uri="{BB962C8B-B14F-4D97-AF65-F5344CB8AC3E}">
-        <p14:creationId xmlns:p14="http://schemas.microsoft.com/office/powerpoint/2010/main" val="150026564"/>
+        <p14:creationId xmlns:p14="http://schemas.microsoft.com/office/powerpoint/2010/main" val="2744680830"/>
       </p:ext>
     </p:extLst>
   </p:cSld>
@@ -3976,6 +3976,15 @@
           <a:lstStyle/>
           <a:p>
             <a:r>
+              <a:rPr lang="th-TH" dirty="0">
+                <a:latin typeface="TH SarabunPSK" panose="020B0500040200020003" pitchFamily="34" charset="-34"/>
+                <a:cs typeface="TH SarabunPSK" panose="020B0500040200020003" pitchFamily="34" charset="-34"/>
+              </a:rPr>
+              <a:t>บทที่ 5 การเตรียมข้อมูลสำหรับการแสดงผล 1</a:t>
+            </a:r>
+          </a:p>
+          <a:p>
+            <a:r>
               <a:rPr lang="en-US" dirty="0">
                 <a:latin typeface="TH SarabunPSK" panose="020B0500040200020003" pitchFamily="34" charset="-34"/>
                 <a:cs typeface="TH SarabunPSK" panose="020B0500040200020003" pitchFamily="34" charset="-34"/>
@@ -6165,7 +6174,14 @@
                 <a:latin typeface="TH SarabunPSK" panose="020B0500040200020003" pitchFamily="34" charset="-34"/>
                 <a:cs typeface="TH SarabunPSK" panose="020B0500040200020003" pitchFamily="34" charset="-34"/>
               </a:rPr>
-              <a:t>ด้วยค่าที่เหมาะสม (</a:t>
+              <a:t>ด้วยค่าที่เหมาะสม </a:t>
+            </a:r>
+            <a:r>
+              <a:rPr lang="en-US" dirty="0">
+                <a:latin typeface="TH SarabunPSK" panose="020B0500040200020003" pitchFamily="34" charset="-34"/>
+                <a:cs typeface="TH SarabunPSK" panose="020B0500040200020003" pitchFamily="34" charset="-34"/>
+              </a:rPr>
+              <a:t>.</a:t>
             </a:r>
             <a:r>
               <a:rPr lang="en-US" dirty="0" err="1">
@@ -6179,7 +6195,7 @@
                 <a:latin typeface="TH SarabunPSK" panose="020B0500040200020003" pitchFamily="34" charset="-34"/>
                 <a:cs typeface="TH SarabunPSK" panose="020B0500040200020003" pitchFamily="34" charset="-34"/>
               </a:rPr>
-              <a:t>)</a:t>
+              <a:t>()</a:t>
             </a:r>
           </a:p>
         </p:txBody>
@@ -7299,7 +7315,14 @@
                 <a:latin typeface="TH SarabunPSK" panose="020B0500040200020003" pitchFamily="34" charset="-34"/>
                 <a:cs typeface="TH SarabunPSK" panose="020B0500040200020003" pitchFamily="34" charset="-34"/>
               </a:rPr>
-              <a:t>ด้วยค่าที่เหมาะสม (</a:t>
+              <a:t>ด้วยค่าที่เหมาะสม </a:t>
+            </a:r>
+            <a:r>
+              <a:rPr lang="en-US" dirty="0">
+                <a:latin typeface="TH SarabunPSK" panose="020B0500040200020003" pitchFamily="34" charset="-34"/>
+                <a:cs typeface="TH SarabunPSK" panose="020B0500040200020003" pitchFamily="34" charset="-34"/>
+              </a:rPr>
+              <a:t>.</a:t>
             </a:r>
             <a:r>
               <a:rPr lang="en-US" dirty="0" err="1">
@@ -7313,7 +7336,7 @@
                 <a:latin typeface="TH SarabunPSK" panose="020B0500040200020003" pitchFamily="34" charset="-34"/>
                 <a:cs typeface="TH SarabunPSK" panose="020B0500040200020003" pitchFamily="34" charset="-34"/>
               </a:rPr>
-              <a:t>)</a:t>
+              <a:t>()</a:t>
             </a:r>
           </a:p>
         </p:txBody>
@@ -8746,7 +8769,7 @@
                 <a:latin typeface="TH SarabunPSK" panose="020B0500040200020003" pitchFamily="34" charset="-34"/>
                 <a:cs typeface="TH SarabunPSK" panose="020B0500040200020003" pitchFamily="34" charset="-34"/>
               </a:rPr>
-              <a:t>ในตาราง (.</a:t>
+              <a:t>ในตาราง .</a:t>
             </a:r>
             <a:r>
               <a:rPr lang="en-US" dirty="0" err="1">
@@ -8760,7 +8783,7 @@
                 <a:latin typeface="TH SarabunPSK" panose="020B0500040200020003" pitchFamily="34" charset="-34"/>
                 <a:cs typeface="TH SarabunPSK" panose="020B0500040200020003" pitchFamily="34" charset="-34"/>
               </a:rPr>
-              <a:t>)</a:t>
+              <a:t>()</a:t>
             </a:r>
           </a:p>
         </p:txBody>

--- a/PPT/Class period 7.pptx
+++ b/PPT/Class period 7.pptx
@@ -121,6 +121,11 @@
       </a:defRPr>
     </a:lvl9pPr>
   </p:defaultTextStyle>
+  <p:extLst>
+    <p:ext uri="{EFAFB233-063F-42B5-8137-9DF3F51BA10A}">
+      <p15:sldGuideLst xmlns:p15="http://schemas.microsoft.com/office/powerpoint/2012/main"/>
+    </p:ext>
+  </p:extLst>
 </p:presentation>
 </file>
 
@@ -206,7 +211,7 @@
           <a:p>
             <a:fld id="{523C89B1-C62C-43B0-A50A-927C457A3BC5}" type="datetimeFigureOut">
               <a:rPr lang="en-US" smtClean="0"/>
-              <a:t>5/15/2024</a:t>
+              <a:t>6/17/2024</a:t>
             </a:fld>
             <a:endParaRPr lang="en-US"/>
           </a:p>
@@ -704,7 +709,7 @@
           <a:p>
             <a:fld id="{E0205F48-30D8-43FB-9610-C52D2383C10B}" type="datetimeFigureOut">
               <a:rPr lang="en-US" smtClean="0"/>
-              <a:t>5/15/2024</a:t>
+              <a:t>6/17/2024</a:t>
             </a:fld>
             <a:endParaRPr lang="en-US"/>
           </a:p>
@@ -902,7 +907,7 @@
           <a:p>
             <a:fld id="{E0205F48-30D8-43FB-9610-C52D2383C10B}" type="datetimeFigureOut">
               <a:rPr lang="en-US" smtClean="0"/>
-              <a:t>5/15/2024</a:t>
+              <a:t>6/17/2024</a:t>
             </a:fld>
             <a:endParaRPr lang="en-US"/>
           </a:p>
@@ -1110,7 +1115,7 @@
           <a:p>
             <a:fld id="{E0205F48-30D8-43FB-9610-C52D2383C10B}" type="datetimeFigureOut">
               <a:rPr lang="en-US" smtClean="0"/>
-              <a:t>5/15/2024</a:t>
+              <a:t>6/17/2024</a:t>
             </a:fld>
             <a:endParaRPr lang="en-US"/>
           </a:p>
@@ -1308,7 +1313,7 @@
           <a:p>
             <a:fld id="{E0205F48-30D8-43FB-9610-C52D2383C10B}" type="datetimeFigureOut">
               <a:rPr lang="en-US" smtClean="0"/>
-              <a:t>5/15/2024</a:t>
+              <a:t>6/17/2024</a:t>
             </a:fld>
             <a:endParaRPr lang="en-US"/>
           </a:p>
@@ -1583,7 +1588,7 @@
           <a:p>
             <a:fld id="{E0205F48-30D8-43FB-9610-C52D2383C10B}" type="datetimeFigureOut">
               <a:rPr lang="en-US" smtClean="0"/>
-              <a:t>5/15/2024</a:t>
+              <a:t>6/17/2024</a:t>
             </a:fld>
             <a:endParaRPr lang="en-US"/>
           </a:p>
@@ -1848,7 +1853,7 @@
           <a:p>
             <a:fld id="{E0205F48-30D8-43FB-9610-C52D2383C10B}" type="datetimeFigureOut">
               <a:rPr lang="en-US" smtClean="0"/>
-              <a:t>5/15/2024</a:t>
+              <a:t>6/17/2024</a:t>
             </a:fld>
             <a:endParaRPr lang="en-US"/>
           </a:p>
@@ -2260,7 +2265,7 @@
           <a:p>
             <a:fld id="{E0205F48-30D8-43FB-9610-C52D2383C10B}" type="datetimeFigureOut">
               <a:rPr lang="en-US" smtClean="0"/>
-              <a:t>5/15/2024</a:t>
+              <a:t>6/17/2024</a:t>
             </a:fld>
             <a:endParaRPr lang="en-US"/>
           </a:p>
@@ -2401,7 +2406,7 @@
           <a:p>
             <a:fld id="{E0205F48-30D8-43FB-9610-C52D2383C10B}" type="datetimeFigureOut">
               <a:rPr lang="en-US" smtClean="0"/>
-              <a:t>5/15/2024</a:t>
+              <a:t>6/17/2024</a:t>
             </a:fld>
             <a:endParaRPr lang="en-US"/>
           </a:p>
@@ -2514,7 +2519,7 @@
           <a:p>
             <a:fld id="{E0205F48-30D8-43FB-9610-C52D2383C10B}" type="datetimeFigureOut">
               <a:rPr lang="en-US" smtClean="0"/>
-              <a:t>5/15/2024</a:t>
+              <a:t>6/17/2024</a:t>
             </a:fld>
             <a:endParaRPr lang="en-US"/>
           </a:p>
@@ -2825,7 +2830,7 @@
           <a:p>
             <a:fld id="{E0205F48-30D8-43FB-9610-C52D2383C10B}" type="datetimeFigureOut">
               <a:rPr lang="en-US" smtClean="0"/>
-              <a:t>5/15/2024</a:t>
+              <a:t>6/17/2024</a:t>
             </a:fld>
             <a:endParaRPr lang="en-US"/>
           </a:p>
@@ -3113,7 +3118,7 @@
           <a:p>
             <a:fld id="{E0205F48-30D8-43FB-9610-C52D2383C10B}" type="datetimeFigureOut">
               <a:rPr lang="en-US" smtClean="0"/>
-              <a:t>5/15/2024</a:t>
+              <a:t>6/17/2024</a:t>
             </a:fld>
             <a:endParaRPr lang="en-US"/>
           </a:p>
@@ -3354,7 +3359,7 @@
           <a:p>
             <a:fld id="{E0205F48-30D8-43FB-9610-C52D2383C10B}" type="datetimeFigureOut">
               <a:rPr lang="en-US" smtClean="0"/>
-              <a:t>5/15/2024</a:t>
+              <a:t>6/17/2024</a:t>
             </a:fld>
             <a:endParaRPr lang="en-US"/>
           </a:p>
@@ -3994,6 +3999,73 @@
           </a:p>
         </p:txBody>
       </p:sp>
+      <p:sp>
+        <p:nvSpPr>
+          <p:cNvPr id="7" name="TextBox 6">
+            <a:extLst>
+              <a:ext uri="{FF2B5EF4-FFF2-40B4-BE49-F238E27FC236}">
+                <a16:creationId xmlns:a16="http://schemas.microsoft.com/office/drawing/2014/main" id="{6BB1E3B4-49C7-5B47-3DA3-C0C255F27E77}"/>
+              </a:ext>
+            </a:extLst>
+          </p:cNvPr>
+          <p:cNvSpPr txBox="1"/>
+          <p:nvPr/>
+        </p:nvSpPr>
+        <p:spPr>
+          <a:xfrm>
+            <a:off x="114677" y="6172611"/>
+            <a:ext cx="5532120" cy="461665"/>
+          </a:xfrm>
+          <a:prstGeom prst="rect">
+            <a:avLst/>
+          </a:prstGeom>
+          <a:noFill/>
+        </p:spPr>
+        <p:txBody>
+          <a:bodyPr wrap="square">
+            <a:spAutoFit/>
+          </a:bodyPr>
+          <a:lstStyle/>
+          <a:p>
+            <a:pPr algn="l"/>
+            <a:r>
+              <a:rPr lang="th-TH" sz="2400" dirty="0">
+                <a:latin typeface="TH SarabunPSK" panose="020B0500040200020003" pitchFamily="34" charset="-34"/>
+                <a:cs typeface="TH SarabunPSK" panose="020B0500040200020003" pitchFamily="34" charset="-34"/>
+              </a:rPr>
+              <a:t>โดย ผศ</a:t>
+            </a:r>
+            <a:r>
+              <a:rPr lang="en-US" sz="2400" dirty="0">
+                <a:latin typeface="TH SarabunPSK" panose="020B0500040200020003" pitchFamily="34" charset="-34"/>
+                <a:cs typeface="TH SarabunPSK" panose="020B0500040200020003" pitchFamily="34" charset="-34"/>
+              </a:rPr>
+              <a:t>. </a:t>
+            </a:r>
+            <a:r>
+              <a:rPr lang="th-TH" sz="2400" dirty="0">
+                <a:latin typeface="TH SarabunPSK" panose="020B0500040200020003" pitchFamily="34" charset="-34"/>
+                <a:cs typeface="TH SarabunPSK" panose="020B0500040200020003" pitchFamily="34" charset="-34"/>
+              </a:rPr>
+              <a:t>ดร</a:t>
+            </a:r>
+            <a:r>
+              <a:rPr lang="en-US" sz="2400" dirty="0">
+                <a:latin typeface="TH SarabunPSK" panose="020B0500040200020003" pitchFamily="34" charset="-34"/>
+                <a:cs typeface="TH SarabunPSK" panose="020B0500040200020003" pitchFamily="34" charset="-34"/>
+              </a:rPr>
+              <a:t>.</a:t>
+            </a:r>
+            <a:r>
+              <a:rPr lang="th-TH" sz="2400" dirty="0">
+                <a:latin typeface="TH SarabunPSK" panose="020B0500040200020003" pitchFamily="34" charset="-34"/>
+                <a:cs typeface="TH SarabunPSK" panose="020B0500040200020003" pitchFamily="34" charset="-34"/>
+              </a:rPr>
+              <a:t>ธนพงศ์ อินทระ สาขาวิชาสถิติ มหาวิทยาลัยขอนแก่น </a:t>
+            </a:r>
+          </a:p>
+        </p:txBody>
+      </p:sp>
     </p:spTree>
     <p:extLst>
       <p:ext uri="{BB962C8B-B14F-4D97-AF65-F5344CB8AC3E}">
@@ -4743,6 +4815,73 @@
           </a:prstGeom>
         </p:spPr>
       </p:pic>
+      <p:sp>
+        <p:nvSpPr>
+          <p:cNvPr id="10" name="TextBox 9">
+            <a:extLst>
+              <a:ext uri="{FF2B5EF4-FFF2-40B4-BE49-F238E27FC236}">
+                <a16:creationId xmlns:a16="http://schemas.microsoft.com/office/drawing/2014/main" id="{3BB2E975-B5DC-CFED-95B3-DC4842EFB2A1}"/>
+              </a:ext>
+            </a:extLst>
+          </p:cNvPr>
+          <p:cNvSpPr txBox="1"/>
+          <p:nvPr/>
+        </p:nvSpPr>
+        <p:spPr>
+          <a:xfrm>
+            <a:off x="114677" y="6172611"/>
+            <a:ext cx="5532120" cy="461665"/>
+          </a:xfrm>
+          <a:prstGeom prst="rect">
+            <a:avLst/>
+          </a:prstGeom>
+          <a:noFill/>
+        </p:spPr>
+        <p:txBody>
+          <a:bodyPr wrap="square">
+            <a:spAutoFit/>
+          </a:bodyPr>
+          <a:lstStyle/>
+          <a:p>
+            <a:pPr algn="l"/>
+            <a:r>
+              <a:rPr lang="th-TH" sz="2400" dirty="0">
+                <a:latin typeface="TH SarabunPSK" panose="020B0500040200020003" pitchFamily="34" charset="-34"/>
+                <a:cs typeface="TH SarabunPSK" panose="020B0500040200020003" pitchFamily="34" charset="-34"/>
+              </a:rPr>
+              <a:t>โดย ผศ</a:t>
+            </a:r>
+            <a:r>
+              <a:rPr lang="en-US" sz="2400" dirty="0">
+                <a:latin typeface="TH SarabunPSK" panose="020B0500040200020003" pitchFamily="34" charset="-34"/>
+                <a:cs typeface="TH SarabunPSK" panose="020B0500040200020003" pitchFamily="34" charset="-34"/>
+              </a:rPr>
+              <a:t>. </a:t>
+            </a:r>
+            <a:r>
+              <a:rPr lang="th-TH" sz="2400" dirty="0">
+                <a:latin typeface="TH SarabunPSK" panose="020B0500040200020003" pitchFamily="34" charset="-34"/>
+                <a:cs typeface="TH SarabunPSK" panose="020B0500040200020003" pitchFamily="34" charset="-34"/>
+              </a:rPr>
+              <a:t>ดร</a:t>
+            </a:r>
+            <a:r>
+              <a:rPr lang="en-US" sz="2400" dirty="0">
+                <a:latin typeface="TH SarabunPSK" panose="020B0500040200020003" pitchFamily="34" charset="-34"/>
+                <a:cs typeface="TH SarabunPSK" panose="020B0500040200020003" pitchFamily="34" charset="-34"/>
+              </a:rPr>
+              <a:t>.</a:t>
+            </a:r>
+            <a:r>
+              <a:rPr lang="th-TH" sz="2400" dirty="0">
+                <a:latin typeface="TH SarabunPSK" panose="020B0500040200020003" pitchFamily="34" charset="-34"/>
+                <a:cs typeface="TH SarabunPSK" panose="020B0500040200020003" pitchFamily="34" charset="-34"/>
+              </a:rPr>
+              <a:t>ธนพงศ์ อินทระ สาขาวิชาสถิติ มหาวิทยาลัยขอนแก่น </a:t>
+            </a:r>
+          </a:p>
+        </p:txBody>
+      </p:sp>
     </p:spTree>
     <p:extLst>
       <p:ext uri="{BB962C8B-B14F-4D97-AF65-F5344CB8AC3E}">
@@ -5728,6 +5867,73 @@
           </a:p>
         </p:txBody>
       </p:sp>
+      <p:sp>
+        <p:nvSpPr>
+          <p:cNvPr id="9" name="TextBox 8">
+            <a:extLst>
+              <a:ext uri="{FF2B5EF4-FFF2-40B4-BE49-F238E27FC236}">
+                <a16:creationId xmlns:a16="http://schemas.microsoft.com/office/drawing/2014/main" id="{14976583-2FCE-C15E-6EE3-E988CB2DC9F3}"/>
+              </a:ext>
+            </a:extLst>
+          </p:cNvPr>
+          <p:cNvSpPr txBox="1"/>
+          <p:nvPr/>
+        </p:nvSpPr>
+        <p:spPr>
+          <a:xfrm>
+            <a:off x="114677" y="6172611"/>
+            <a:ext cx="5532120" cy="461665"/>
+          </a:xfrm>
+          <a:prstGeom prst="rect">
+            <a:avLst/>
+          </a:prstGeom>
+          <a:noFill/>
+        </p:spPr>
+        <p:txBody>
+          <a:bodyPr wrap="square">
+            <a:spAutoFit/>
+          </a:bodyPr>
+          <a:lstStyle/>
+          <a:p>
+            <a:pPr algn="l"/>
+            <a:r>
+              <a:rPr lang="th-TH" sz="2400" dirty="0">
+                <a:latin typeface="TH SarabunPSK" panose="020B0500040200020003" pitchFamily="34" charset="-34"/>
+                <a:cs typeface="TH SarabunPSK" panose="020B0500040200020003" pitchFamily="34" charset="-34"/>
+              </a:rPr>
+              <a:t>โดย ผศ</a:t>
+            </a:r>
+            <a:r>
+              <a:rPr lang="en-US" sz="2400" dirty="0">
+                <a:latin typeface="TH SarabunPSK" panose="020B0500040200020003" pitchFamily="34" charset="-34"/>
+                <a:cs typeface="TH SarabunPSK" panose="020B0500040200020003" pitchFamily="34" charset="-34"/>
+              </a:rPr>
+              <a:t>. </a:t>
+            </a:r>
+            <a:r>
+              <a:rPr lang="th-TH" sz="2400" dirty="0">
+                <a:latin typeface="TH SarabunPSK" panose="020B0500040200020003" pitchFamily="34" charset="-34"/>
+                <a:cs typeface="TH SarabunPSK" panose="020B0500040200020003" pitchFamily="34" charset="-34"/>
+              </a:rPr>
+              <a:t>ดร</a:t>
+            </a:r>
+            <a:r>
+              <a:rPr lang="en-US" sz="2400" dirty="0">
+                <a:latin typeface="TH SarabunPSK" panose="020B0500040200020003" pitchFamily="34" charset="-34"/>
+                <a:cs typeface="TH SarabunPSK" panose="020B0500040200020003" pitchFamily="34" charset="-34"/>
+              </a:rPr>
+              <a:t>.</a:t>
+            </a:r>
+            <a:r>
+              <a:rPr lang="th-TH" sz="2400" dirty="0">
+                <a:latin typeface="TH SarabunPSK" panose="020B0500040200020003" pitchFamily="34" charset="-34"/>
+                <a:cs typeface="TH SarabunPSK" panose="020B0500040200020003" pitchFamily="34" charset="-34"/>
+              </a:rPr>
+              <a:t>ธนพงศ์ อินทระ สาขาวิชาสถิติ มหาวิทยาลัยขอนแก่น </a:t>
+            </a:r>
+          </a:p>
+        </p:txBody>
+      </p:sp>
     </p:spTree>
     <p:extLst>
       <p:ext uri="{BB962C8B-B14F-4D97-AF65-F5344CB8AC3E}">
@@ -6869,6 +7075,73 @@
           </a:p>
         </p:txBody>
       </p:sp>
+      <p:sp>
+        <p:nvSpPr>
+          <p:cNvPr id="9" name="TextBox 8">
+            <a:extLst>
+              <a:ext uri="{FF2B5EF4-FFF2-40B4-BE49-F238E27FC236}">
+                <a16:creationId xmlns:a16="http://schemas.microsoft.com/office/drawing/2014/main" id="{EFCF456A-C7AE-8713-AE26-404523E95E44}"/>
+              </a:ext>
+            </a:extLst>
+          </p:cNvPr>
+          <p:cNvSpPr txBox="1"/>
+          <p:nvPr/>
+        </p:nvSpPr>
+        <p:spPr>
+          <a:xfrm>
+            <a:off x="114677" y="6172611"/>
+            <a:ext cx="5532120" cy="461665"/>
+          </a:xfrm>
+          <a:prstGeom prst="rect">
+            <a:avLst/>
+          </a:prstGeom>
+          <a:noFill/>
+        </p:spPr>
+        <p:txBody>
+          <a:bodyPr wrap="square">
+            <a:spAutoFit/>
+          </a:bodyPr>
+          <a:lstStyle/>
+          <a:p>
+            <a:pPr algn="l"/>
+            <a:r>
+              <a:rPr lang="th-TH" sz="2400" dirty="0">
+                <a:latin typeface="TH SarabunPSK" panose="020B0500040200020003" pitchFamily="34" charset="-34"/>
+                <a:cs typeface="TH SarabunPSK" panose="020B0500040200020003" pitchFamily="34" charset="-34"/>
+              </a:rPr>
+              <a:t>โดย ผศ</a:t>
+            </a:r>
+            <a:r>
+              <a:rPr lang="en-US" sz="2400" dirty="0">
+                <a:latin typeface="TH SarabunPSK" panose="020B0500040200020003" pitchFamily="34" charset="-34"/>
+                <a:cs typeface="TH SarabunPSK" panose="020B0500040200020003" pitchFamily="34" charset="-34"/>
+              </a:rPr>
+              <a:t>. </a:t>
+            </a:r>
+            <a:r>
+              <a:rPr lang="th-TH" sz="2400" dirty="0">
+                <a:latin typeface="TH SarabunPSK" panose="020B0500040200020003" pitchFamily="34" charset="-34"/>
+                <a:cs typeface="TH SarabunPSK" panose="020B0500040200020003" pitchFamily="34" charset="-34"/>
+              </a:rPr>
+              <a:t>ดร</a:t>
+            </a:r>
+            <a:r>
+              <a:rPr lang="en-US" sz="2400" dirty="0">
+                <a:latin typeface="TH SarabunPSK" panose="020B0500040200020003" pitchFamily="34" charset="-34"/>
+                <a:cs typeface="TH SarabunPSK" panose="020B0500040200020003" pitchFamily="34" charset="-34"/>
+              </a:rPr>
+              <a:t>.</a:t>
+            </a:r>
+            <a:r>
+              <a:rPr lang="th-TH" sz="2400" dirty="0">
+                <a:latin typeface="TH SarabunPSK" panose="020B0500040200020003" pitchFamily="34" charset="-34"/>
+                <a:cs typeface="TH SarabunPSK" panose="020B0500040200020003" pitchFamily="34" charset="-34"/>
+              </a:rPr>
+              <a:t>ธนพงศ์ อินทระ สาขาวิชาสถิติ มหาวิทยาลัยขอนแก่น </a:t>
+            </a:r>
+          </a:p>
+        </p:txBody>
+      </p:sp>
     </p:spTree>
     <p:extLst>
       <p:ext uri="{BB962C8B-B14F-4D97-AF65-F5344CB8AC3E}">
@@ -7563,6 +7836,73 @@
           </a:prstGeom>
         </p:spPr>
       </p:pic>
+      <p:sp>
+        <p:nvSpPr>
+          <p:cNvPr id="10" name="TextBox 9">
+            <a:extLst>
+              <a:ext uri="{FF2B5EF4-FFF2-40B4-BE49-F238E27FC236}">
+                <a16:creationId xmlns:a16="http://schemas.microsoft.com/office/drawing/2014/main" id="{A85E162C-A56F-2ACE-0FF4-687FD1D71C1F}"/>
+              </a:ext>
+            </a:extLst>
+          </p:cNvPr>
+          <p:cNvSpPr txBox="1"/>
+          <p:nvPr/>
+        </p:nvSpPr>
+        <p:spPr>
+          <a:xfrm>
+            <a:off x="114677" y="6172611"/>
+            <a:ext cx="5532120" cy="461665"/>
+          </a:xfrm>
+          <a:prstGeom prst="rect">
+            <a:avLst/>
+          </a:prstGeom>
+          <a:noFill/>
+        </p:spPr>
+        <p:txBody>
+          <a:bodyPr wrap="square">
+            <a:spAutoFit/>
+          </a:bodyPr>
+          <a:lstStyle/>
+          <a:p>
+            <a:pPr algn="l"/>
+            <a:r>
+              <a:rPr lang="th-TH" sz="2400" dirty="0">
+                <a:latin typeface="TH SarabunPSK" panose="020B0500040200020003" pitchFamily="34" charset="-34"/>
+                <a:cs typeface="TH SarabunPSK" panose="020B0500040200020003" pitchFamily="34" charset="-34"/>
+              </a:rPr>
+              <a:t>โดย ผศ</a:t>
+            </a:r>
+            <a:r>
+              <a:rPr lang="en-US" sz="2400" dirty="0">
+                <a:latin typeface="TH SarabunPSK" panose="020B0500040200020003" pitchFamily="34" charset="-34"/>
+                <a:cs typeface="TH SarabunPSK" panose="020B0500040200020003" pitchFamily="34" charset="-34"/>
+              </a:rPr>
+              <a:t>. </a:t>
+            </a:r>
+            <a:r>
+              <a:rPr lang="th-TH" sz="2400" dirty="0">
+                <a:latin typeface="TH SarabunPSK" panose="020B0500040200020003" pitchFamily="34" charset="-34"/>
+                <a:cs typeface="TH SarabunPSK" panose="020B0500040200020003" pitchFamily="34" charset="-34"/>
+              </a:rPr>
+              <a:t>ดร</a:t>
+            </a:r>
+            <a:r>
+              <a:rPr lang="en-US" sz="2400" dirty="0">
+                <a:latin typeface="TH SarabunPSK" panose="020B0500040200020003" pitchFamily="34" charset="-34"/>
+                <a:cs typeface="TH SarabunPSK" panose="020B0500040200020003" pitchFamily="34" charset="-34"/>
+              </a:rPr>
+              <a:t>.</a:t>
+            </a:r>
+            <a:r>
+              <a:rPr lang="th-TH" sz="2400" dirty="0">
+                <a:latin typeface="TH SarabunPSK" panose="020B0500040200020003" pitchFamily="34" charset="-34"/>
+                <a:cs typeface="TH SarabunPSK" panose="020B0500040200020003" pitchFamily="34" charset="-34"/>
+              </a:rPr>
+              <a:t>ธนพงศ์ อินทระ สาขาวิชาสถิติ มหาวิทยาลัยขอนแก่น </a:t>
+            </a:r>
+          </a:p>
+        </p:txBody>
+      </p:sp>
     </p:spTree>
     <p:extLst>
       <p:ext uri="{BB962C8B-B14F-4D97-AF65-F5344CB8AC3E}">
@@ -8323,6 +8663,73 @@
           </a:p>
         </p:txBody>
       </p:sp>
+      <p:sp>
+        <p:nvSpPr>
+          <p:cNvPr id="9" name="TextBox 8">
+            <a:extLst>
+              <a:ext uri="{FF2B5EF4-FFF2-40B4-BE49-F238E27FC236}">
+                <a16:creationId xmlns:a16="http://schemas.microsoft.com/office/drawing/2014/main" id="{088EA4EF-B078-6E82-97CD-353ED3CCED78}"/>
+              </a:ext>
+            </a:extLst>
+          </p:cNvPr>
+          <p:cNvSpPr txBox="1"/>
+          <p:nvPr/>
+        </p:nvSpPr>
+        <p:spPr>
+          <a:xfrm>
+            <a:off x="114677" y="6172611"/>
+            <a:ext cx="5532120" cy="461665"/>
+          </a:xfrm>
+          <a:prstGeom prst="rect">
+            <a:avLst/>
+          </a:prstGeom>
+          <a:noFill/>
+        </p:spPr>
+        <p:txBody>
+          <a:bodyPr wrap="square">
+            <a:spAutoFit/>
+          </a:bodyPr>
+          <a:lstStyle/>
+          <a:p>
+            <a:pPr algn="l"/>
+            <a:r>
+              <a:rPr lang="th-TH" sz="2400" dirty="0">
+                <a:latin typeface="TH SarabunPSK" panose="020B0500040200020003" pitchFamily="34" charset="-34"/>
+                <a:cs typeface="TH SarabunPSK" panose="020B0500040200020003" pitchFamily="34" charset="-34"/>
+              </a:rPr>
+              <a:t>โดย ผศ</a:t>
+            </a:r>
+            <a:r>
+              <a:rPr lang="en-US" sz="2400" dirty="0">
+                <a:latin typeface="TH SarabunPSK" panose="020B0500040200020003" pitchFamily="34" charset="-34"/>
+                <a:cs typeface="TH SarabunPSK" panose="020B0500040200020003" pitchFamily="34" charset="-34"/>
+              </a:rPr>
+              <a:t>. </a:t>
+            </a:r>
+            <a:r>
+              <a:rPr lang="th-TH" sz="2400" dirty="0">
+                <a:latin typeface="TH SarabunPSK" panose="020B0500040200020003" pitchFamily="34" charset="-34"/>
+                <a:cs typeface="TH SarabunPSK" panose="020B0500040200020003" pitchFamily="34" charset="-34"/>
+              </a:rPr>
+              <a:t>ดร</a:t>
+            </a:r>
+            <a:r>
+              <a:rPr lang="en-US" sz="2400" dirty="0">
+                <a:latin typeface="TH SarabunPSK" panose="020B0500040200020003" pitchFamily="34" charset="-34"/>
+                <a:cs typeface="TH SarabunPSK" panose="020B0500040200020003" pitchFamily="34" charset="-34"/>
+              </a:rPr>
+              <a:t>.</a:t>
+            </a:r>
+            <a:r>
+              <a:rPr lang="th-TH" sz="2400" dirty="0">
+                <a:latin typeface="TH SarabunPSK" panose="020B0500040200020003" pitchFamily="34" charset="-34"/>
+                <a:cs typeface="TH SarabunPSK" panose="020B0500040200020003" pitchFamily="34" charset="-34"/>
+              </a:rPr>
+              <a:t>ธนพงศ์ อินทระ สาขาวิชาสถิติ มหาวิทยาลัยขอนแก่น </a:t>
+            </a:r>
+          </a:p>
+        </p:txBody>
+      </p:sp>
     </p:spTree>
     <p:extLst>
       <p:ext uri="{BB962C8B-B14F-4D97-AF65-F5344CB8AC3E}">
@@ -9543,6 +9950,73 @@
           </a:p>
         </p:txBody>
       </p:sp>
+      <p:sp>
+        <p:nvSpPr>
+          <p:cNvPr id="9" name="TextBox 8">
+            <a:extLst>
+              <a:ext uri="{FF2B5EF4-FFF2-40B4-BE49-F238E27FC236}">
+                <a16:creationId xmlns:a16="http://schemas.microsoft.com/office/drawing/2014/main" id="{F0782FA4-B585-FBF2-9A2A-12D5AB3F66AC}"/>
+              </a:ext>
+            </a:extLst>
+          </p:cNvPr>
+          <p:cNvSpPr txBox="1"/>
+          <p:nvPr/>
+        </p:nvSpPr>
+        <p:spPr>
+          <a:xfrm>
+            <a:off x="114677" y="6172611"/>
+            <a:ext cx="5532120" cy="461665"/>
+          </a:xfrm>
+          <a:prstGeom prst="rect">
+            <a:avLst/>
+          </a:prstGeom>
+          <a:noFill/>
+        </p:spPr>
+        <p:txBody>
+          <a:bodyPr wrap="square">
+            <a:spAutoFit/>
+          </a:bodyPr>
+          <a:lstStyle/>
+          <a:p>
+            <a:pPr algn="l"/>
+            <a:r>
+              <a:rPr lang="th-TH" sz="2400" dirty="0">
+                <a:latin typeface="TH SarabunPSK" panose="020B0500040200020003" pitchFamily="34" charset="-34"/>
+                <a:cs typeface="TH SarabunPSK" panose="020B0500040200020003" pitchFamily="34" charset="-34"/>
+              </a:rPr>
+              <a:t>โดย ผศ</a:t>
+            </a:r>
+            <a:r>
+              <a:rPr lang="en-US" sz="2400" dirty="0">
+                <a:latin typeface="TH SarabunPSK" panose="020B0500040200020003" pitchFamily="34" charset="-34"/>
+                <a:cs typeface="TH SarabunPSK" panose="020B0500040200020003" pitchFamily="34" charset="-34"/>
+              </a:rPr>
+              <a:t>. </a:t>
+            </a:r>
+            <a:r>
+              <a:rPr lang="th-TH" sz="2400" dirty="0">
+                <a:latin typeface="TH SarabunPSK" panose="020B0500040200020003" pitchFamily="34" charset="-34"/>
+                <a:cs typeface="TH SarabunPSK" panose="020B0500040200020003" pitchFamily="34" charset="-34"/>
+              </a:rPr>
+              <a:t>ดร</a:t>
+            </a:r>
+            <a:r>
+              <a:rPr lang="en-US" sz="2400" dirty="0">
+                <a:latin typeface="TH SarabunPSK" panose="020B0500040200020003" pitchFamily="34" charset="-34"/>
+                <a:cs typeface="TH SarabunPSK" panose="020B0500040200020003" pitchFamily="34" charset="-34"/>
+              </a:rPr>
+              <a:t>.</a:t>
+            </a:r>
+            <a:r>
+              <a:rPr lang="th-TH" sz="2400" dirty="0">
+                <a:latin typeface="TH SarabunPSK" panose="020B0500040200020003" pitchFamily="34" charset="-34"/>
+                <a:cs typeface="TH SarabunPSK" panose="020B0500040200020003" pitchFamily="34" charset="-34"/>
+              </a:rPr>
+              <a:t>ธนพงศ์ อินทระ สาขาวิชาสถิติ มหาวิทยาลัยขอนแก่น </a:t>
+            </a:r>
+          </a:p>
+        </p:txBody>
+      </p:sp>
     </p:spTree>
     <p:extLst>
       <p:ext uri="{BB962C8B-B14F-4D97-AF65-F5344CB8AC3E}">
@@ -10405,6 +10879,73 @@
           </a:p>
         </p:txBody>
       </p:sp>
+      <p:sp>
+        <p:nvSpPr>
+          <p:cNvPr id="9" name="TextBox 8">
+            <a:extLst>
+              <a:ext uri="{FF2B5EF4-FFF2-40B4-BE49-F238E27FC236}">
+                <a16:creationId xmlns:a16="http://schemas.microsoft.com/office/drawing/2014/main" id="{5335DF76-37C4-26AD-535B-79DE8015000A}"/>
+              </a:ext>
+            </a:extLst>
+          </p:cNvPr>
+          <p:cNvSpPr txBox="1"/>
+          <p:nvPr/>
+        </p:nvSpPr>
+        <p:spPr>
+          <a:xfrm>
+            <a:off x="114677" y="6172611"/>
+            <a:ext cx="5532120" cy="461665"/>
+          </a:xfrm>
+          <a:prstGeom prst="rect">
+            <a:avLst/>
+          </a:prstGeom>
+          <a:noFill/>
+        </p:spPr>
+        <p:txBody>
+          <a:bodyPr wrap="square">
+            <a:spAutoFit/>
+          </a:bodyPr>
+          <a:lstStyle/>
+          <a:p>
+            <a:pPr algn="l"/>
+            <a:r>
+              <a:rPr lang="th-TH" sz="2400" dirty="0">
+                <a:latin typeface="TH SarabunPSK" panose="020B0500040200020003" pitchFamily="34" charset="-34"/>
+                <a:cs typeface="TH SarabunPSK" panose="020B0500040200020003" pitchFamily="34" charset="-34"/>
+              </a:rPr>
+              <a:t>โดย ผศ</a:t>
+            </a:r>
+            <a:r>
+              <a:rPr lang="en-US" sz="2400" dirty="0">
+                <a:latin typeface="TH SarabunPSK" panose="020B0500040200020003" pitchFamily="34" charset="-34"/>
+                <a:cs typeface="TH SarabunPSK" panose="020B0500040200020003" pitchFamily="34" charset="-34"/>
+              </a:rPr>
+              <a:t>. </a:t>
+            </a:r>
+            <a:r>
+              <a:rPr lang="th-TH" sz="2400" dirty="0">
+                <a:latin typeface="TH SarabunPSK" panose="020B0500040200020003" pitchFamily="34" charset="-34"/>
+                <a:cs typeface="TH SarabunPSK" panose="020B0500040200020003" pitchFamily="34" charset="-34"/>
+              </a:rPr>
+              <a:t>ดร</a:t>
+            </a:r>
+            <a:r>
+              <a:rPr lang="en-US" sz="2400" dirty="0">
+                <a:latin typeface="TH SarabunPSK" panose="020B0500040200020003" pitchFamily="34" charset="-34"/>
+                <a:cs typeface="TH SarabunPSK" panose="020B0500040200020003" pitchFamily="34" charset="-34"/>
+              </a:rPr>
+              <a:t>.</a:t>
+            </a:r>
+            <a:r>
+              <a:rPr lang="th-TH" sz="2400" dirty="0">
+                <a:latin typeface="TH SarabunPSK" panose="020B0500040200020003" pitchFamily="34" charset="-34"/>
+                <a:cs typeface="TH SarabunPSK" panose="020B0500040200020003" pitchFamily="34" charset="-34"/>
+              </a:rPr>
+              <a:t>ธนพงศ์ อินทระ สาขาวิชาสถิติ มหาวิทยาลัยขอนแก่น </a:t>
+            </a:r>
+          </a:p>
+        </p:txBody>
+      </p:sp>
     </p:spTree>
     <p:extLst>
       <p:ext uri="{BB962C8B-B14F-4D97-AF65-F5344CB8AC3E}">
@@ -11407,6 +11948,73 @@
           </a:p>
         </p:txBody>
       </p:sp>
+      <p:sp>
+        <p:nvSpPr>
+          <p:cNvPr id="9" name="TextBox 8">
+            <a:extLst>
+              <a:ext uri="{FF2B5EF4-FFF2-40B4-BE49-F238E27FC236}">
+                <a16:creationId xmlns:a16="http://schemas.microsoft.com/office/drawing/2014/main" id="{65D0099B-F253-1BB6-79A4-B8AB81EA0074}"/>
+              </a:ext>
+            </a:extLst>
+          </p:cNvPr>
+          <p:cNvSpPr txBox="1"/>
+          <p:nvPr/>
+        </p:nvSpPr>
+        <p:spPr>
+          <a:xfrm>
+            <a:off x="114677" y="6172611"/>
+            <a:ext cx="5532120" cy="461665"/>
+          </a:xfrm>
+          <a:prstGeom prst="rect">
+            <a:avLst/>
+          </a:prstGeom>
+          <a:noFill/>
+        </p:spPr>
+        <p:txBody>
+          <a:bodyPr wrap="square">
+            <a:spAutoFit/>
+          </a:bodyPr>
+          <a:lstStyle/>
+          <a:p>
+            <a:pPr algn="l"/>
+            <a:r>
+              <a:rPr lang="th-TH" sz="2400" dirty="0">
+                <a:latin typeface="TH SarabunPSK" panose="020B0500040200020003" pitchFamily="34" charset="-34"/>
+                <a:cs typeface="TH SarabunPSK" panose="020B0500040200020003" pitchFamily="34" charset="-34"/>
+              </a:rPr>
+              <a:t>โดย ผศ</a:t>
+            </a:r>
+            <a:r>
+              <a:rPr lang="en-US" sz="2400" dirty="0">
+                <a:latin typeface="TH SarabunPSK" panose="020B0500040200020003" pitchFamily="34" charset="-34"/>
+                <a:cs typeface="TH SarabunPSK" panose="020B0500040200020003" pitchFamily="34" charset="-34"/>
+              </a:rPr>
+              <a:t>. </a:t>
+            </a:r>
+            <a:r>
+              <a:rPr lang="th-TH" sz="2400" dirty="0">
+                <a:latin typeface="TH SarabunPSK" panose="020B0500040200020003" pitchFamily="34" charset="-34"/>
+                <a:cs typeface="TH SarabunPSK" panose="020B0500040200020003" pitchFamily="34" charset="-34"/>
+              </a:rPr>
+              <a:t>ดร</a:t>
+            </a:r>
+            <a:r>
+              <a:rPr lang="en-US" sz="2400" dirty="0">
+                <a:latin typeface="TH SarabunPSK" panose="020B0500040200020003" pitchFamily="34" charset="-34"/>
+                <a:cs typeface="TH SarabunPSK" panose="020B0500040200020003" pitchFamily="34" charset="-34"/>
+              </a:rPr>
+              <a:t>.</a:t>
+            </a:r>
+            <a:r>
+              <a:rPr lang="th-TH" sz="2400" dirty="0">
+                <a:latin typeface="TH SarabunPSK" panose="020B0500040200020003" pitchFamily="34" charset="-34"/>
+                <a:cs typeface="TH SarabunPSK" panose="020B0500040200020003" pitchFamily="34" charset="-34"/>
+              </a:rPr>
+              <a:t>ธนพงศ์ อินทระ สาขาวิชาสถิติ มหาวิทยาลัยขอนแก่น </a:t>
+            </a:r>
+          </a:p>
+        </p:txBody>
+      </p:sp>
     </p:spTree>
     <p:extLst>
       <p:ext uri="{BB962C8B-B14F-4D97-AF65-F5344CB8AC3E}">
@@ -12312,6 +12920,73 @@
           </a:p>
         </p:txBody>
       </p:sp>
+      <p:sp>
+        <p:nvSpPr>
+          <p:cNvPr id="9" name="TextBox 8">
+            <a:extLst>
+              <a:ext uri="{FF2B5EF4-FFF2-40B4-BE49-F238E27FC236}">
+                <a16:creationId xmlns:a16="http://schemas.microsoft.com/office/drawing/2014/main" id="{53A651CA-793C-73E1-5918-DEB3D7EFD4E7}"/>
+              </a:ext>
+            </a:extLst>
+          </p:cNvPr>
+          <p:cNvSpPr txBox="1"/>
+          <p:nvPr/>
+        </p:nvSpPr>
+        <p:spPr>
+          <a:xfrm>
+            <a:off x="114677" y="6172611"/>
+            <a:ext cx="5532120" cy="461665"/>
+          </a:xfrm>
+          <a:prstGeom prst="rect">
+            <a:avLst/>
+          </a:prstGeom>
+          <a:noFill/>
+        </p:spPr>
+        <p:txBody>
+          <a:bodyPr wrap="square">
+            <a:spAutoFit/>
+          </a:bodyPr>
+          <a:lstStyle/>
+          <a:p>
+            <a:pPr algn="l"/>
+            <a:r>
+              <a:rPr lang="th-TH" sz="2400" dirty="0">
+                <a:latin typeface="TH SarabunPSK" panose="020B0500040200020003" pitchFamily="34" charset="-34"/>
+                <a:cs typeface="TH SarabunPSK" panose="020B0500040200020003" pitchFamily="34" charset="-34"/>
+              </a:rPr>
+              <a:t>โดย ผศ</a:t>
+            </a:r>
+            <a:r>
+              <a:rPr lang="en-US" sz="2400" dirty="0">
+                <a:latin typeface="TH SarabunPSK" panose="020B0500040200020003" pitchFamily="34" charset="-34"/>
+                <a:cs typeface="TH SarabunPSK" panose="020B0500040200020003" pitchFamily="34" charset="-34"/>
+              </a:rPr>
+              <a:t>. </a:t>
+            </a:r>
+            <a:r>
+              <a:rPr lang="th-TH" sz="2400" dirty="0">
+                <a:latin typeface="TH SarabunPSK" panose="020B0500040200020003" pitchFamily="34" charset="-34"/>
+                <a:cs typeface="TH SarabunPSK" panose="020B0500040200020003" pitchFamily="34" charset="-34"/>
+              </a:rPr>
+              <a:t>ดร</a:t>
+            </a:r>
+            <a:r>
+              <a:rPr lang="en-US" sz="2400" dirty="0">
+                <a:latin typeface="TH SarabunPSK" panose="020B0500040200020003" pitchFamily="34" charset="-34"/>
+                <a:cs typeface="TH SarabunPSK" panose="020B0500040200020003" pitchFamily="34" charset="-34"/>
+              </a:rPr>
+              <a:t>.</a:t>
+            </a:r>
+            <a:r>
+              <a:rPr lang="th-TH" sz="2400" dirty="0">
+                <a:latin typeface="TH SarabunPSK" panose="020B0500040200020003" pitchFamily="34" charset="-34"/>
+                <a:cs typeface="TH SarabunPSK" panose="020B0500040200020003" pitchFamily="34" charset="-34"/>
+              </a:rPr>
+              <a:t>ธนพงศ์ อินทระ สาขาวิชาสถิติ มหาวิทยาลัยขอนแก่น </a:t>
+            </a:r>
+          </a:p>
+        </p:txBody>
+      </p:sp>
     </p:spTree>
     <p:extLst>
       <p:ext uri="{BB962C8B-B14F-4D97-AF65-F5344CB8AC3E}">
@@ -13064,6 +13739,73 @@
           </a:p>
         </p:txBody>
       </p:sp>
+      <p:sp>
+        <p:nvSpPr>
+          <p:cNvPr id="9" name="TextBox 8">
+            <a:extLst>
+              <a:ext uri="{FF2B5EF4-FFF2-40B4-BE49-F238E27FC236}">
+                <a16:creationId xmlns:a16="http://schemas.microsoft.com/office/drawing/2014/main" id="{28BB170C-5AE0-0F46-F0AE-98C7CBE02534}"/>
+              </a:ext>
+            </a:extLst>
+          </p:cNvPr>
+          <p:cNvSpPr txBox="1"/>
+          <p:nvPr/>
+        </p:nvSpPr>
+        <p:spPr>
+          <a:xfrm>
+            <a:off x="114677" y="6172611"/>
+            <a:ext cx="5532120" cy="461665"/>
+          </a:xfrm>
+          <a:prstGeom prst="rect">
+            <a:avLst/>
+          </a:prstGeom>
+          <a:noFill/>
+        </p:spPr>
+        <p:txBody>
+          <a:bodyPr wrap="square">
+            <a:spAutoFit/>
+          </a:bodyPr>
+          <a:lstStyle/>
+          <a:p>
+            <a:pPr algn="l"/>
+            <a:r>
+              <a:rPr lang="th-TH" sz="2400" dirty="0">
+                <a:latin typeface="TH SarabunPSK" panose="020B0500040200020003" pitchFamily="34" charset="-34"/>
+                <a:cs typeface="TH SarabunPSK" panose="020B0500040200020003" pitchFamily="34" charset="-34"/>
+              </a:rPr>
+              <a:t>โดย ผศ</a:t>
+            </a:r>
+            <a:r>
+              <a:rPr lang="en-US" sz="2400" dirty="0">
+                <a:latin typeface="TH SarabunPSK" panose="020B0500040200020003" pitchFamily="34" charset="-34"/>
+                <a:cs typeface="TH SarabunPSK" panose="020B0500040200020003" pitchFamily="34" charset="-34"/>
+              </a:rPr>
+              <a:t>. </a:t>
+            </a:r>
+            <a:r>
+              <a:rPr lang="th-TH" sz="2400" dirty="0">
+                <a:latin typeface="TH SarabunPSK" panose="020B0500040200020003" pitchFamily="34" charset="-34"/>
+                <a:cs typeface="TH SarabunPSK" panose="020B0500040200020003" pitchFamily="34" charset="-34"/>
+              </a:rPr>
+              <a:t>ดร</a:t>
+            </a:r>
+            <a:r>
+              <a:rPr lang="en-US" sz="2400" dirty="0">
+                <a:latin typeface="TH SarabunPSK" panose="020B0500040200020003" pitchFamily="34" charset="-34"/>
+                <a:cs typeface="TH SarabunPSK" panose="020B0500040200020003" pitchFamily="34" charset="-34"/>
+              </a:rPr>
+              <a:t>.</a:t>
+            </a:r>
+            <a:r>
+              <a:rPr lang="th-TH" sz="2400" dirty="0">
+                <a:latin typeface="TH SarabunPSK" panose="020B0500040200020003" pitchFamily="34" charset="-34"/>
+                <a:cs typeface="TH SarabunPSK" panose="020B0500040200020003" pitchFamily="34" charset="-34"/>
+              </a:rPr>
+              <a:t>ธนพงศ์ อินทระ สาขาวิชาสถิติ มหาวิทยาลัยขอนแก่น </a:t>
+            </a:r>
+          </a:p>
+        </p:txBody>
+      </p:sp>
     </p:spTree>
     <p:extLst>
       <p:ext uri="{BB962C8B-B14F-4D97-AF65-F5344CB8AC3E}">
@@ -13716,6 +14458,73 @@
           </a:p>
         </p:txBody>
       </p:sp>
+      <p:sp>
+        <p:nvSpPr>
+          <p:cNvPr id="9" name="TextBox 8">
+            <a:extLst>
+              <a:ext uri="{FF2B5EF4-FFF2-40B4-BE49-F238E27FC236}">
+                <a16:creationId xmlns:a16="http://schemas.microsoft.com/office/drawing/2014/main" id="{1A1DBAEC-1A0D-3B93-3704-2E5CA7C55AF1}"/>
+              </a:ext>
+            </a:extLst>
+          </p:cNvPr>
+          <p:cNvSpPr txBox="1"/>
+          <p:nvPr/>
+        </p:nvSpPr>
+        <p:spPr>
+          <a:xfrm>
+            <a:off x="114677" y="6172611"/>
+            <a:ext cx="5532120" cy="461665"/>
+          </a:xfrm>
+          <a:prstGeom prst="rect">
+            <a:avLst/>
+          </a:prstGeom>
+          <a:noFill/>
+        </p:spPr>
+        <p:txBody>
+          <a:bodyPr wrap="square">
+            <a:spAutoFit/>
+          </a:bodyPr>
+          <a:lstStyle/>
+          <a:p>
+            <a:pPr algn="l"/>
+            <a:r>
+              <a:rPr lang="th-TH" sz="2400" dirty="0">
+                <a:latin typeface="TH SarabunPSK" panose="020B0500040200020003" pitchFamily="34" charset="-34"/>
+                <a:cs typeface="TH SarabunPSK" panose="020B0500040200020003" pitchFamily="34" charset="-34"/>
+              </a:rPr>
+              <a:t>โดย ผศ</a:t>
+            </a:r>
+            <a:r>
+              <a:rPr lang="en-US" sz="2400" dirty="0">
+                <a:latin typeface="TH SarabunPSK" panose="020B0500040200020003" pitchFamily="34" charset="-34"/>
+                <a:cs typeface="TH SarabunPSK" panose="020B0500040200020003" pitchFamily="34" charset="-34"/>
+              </a:rPr>
+              <a:t>. </a:t>
+            </a:r>
+            <a:r>
+              <a:rPr lang="th-TH" sz="2400" dirty="0">
+                <a:latin typeface="TH SarabunPSK" panose="020B0500040200020003" pitchFamily="34" charset="-34"/>
+                <a:cs typeface="TH SarabunPSK" panose="020B0500040200020003" pitchFamily="34" charset="-34"/>
+              </a:rPr>
+              <a:t>ดร</a:t>
+            </a:r>
+            <a:r>
+              <a:rPr lang="en-US" sz="2400" dirty="0">
+                <a:latin typeface="TH SarabunPSK" panose="020B0500040200020003" pitchFamily="34" charset="-34"/>
+                <a:cs typeface="TH SarabunPSK" panose="020B0500040200020003" pitchFamily="34" charset="-34"/>
+              </a:rPr>
+              <a:t>.</a:t>
+            </a:r>
+            <a:r>
+              <a:rPr lang="th-TH" sz="2400" dirty="0">
+                <a:latin typeface="TH SarabunPSK" panose="020B0500040200020003" pitchFamily="34" charset="-34"/>
+                <a:cs typeface="TH SarabunPSK" panose="020B0500040200020003" pitchFamily="34" charset="-34"/>
+              </a:rPr>
+              <a:t>ธนพงศ์ อินทระ สาขาวิชาสถิติ มหาวิทยาลัยขอนแก่น </a:t>
+            </a:r>
+          </a:p>
+        </p:txBody>
+      </p:sp>
     </p:spTree>
     <p:extLst>
       <p:ext uri="{BB962C8B-B14F-4D97-AF65-F5344CB8AC3E}">
@@ -14406,6 +15215,73 @@
           </a:p>
         </p:txBody>
       </p:sp>
+      <p:sp>
+        <p:nvSpPr>
+          <p:cNvPr id="9" name="TextBox 8">
+            <a:extLst>
+              <a:ext uri="{FF2B5EF4-FFF2-40B4-BE49-F238E27FC236}">
+                <a16:creationId xmlns:a16="http://schemas.microsoft.com/office/drawing/2014/main" id="{9E66C0C8-6EC0-CFA6-5275-EE1796FE89C0}"/>
+              </a:ext>
+            </a:extLst>
+          </p:cNvPr>
+          <p:cNvSpPr txBox="1"/>
+          <p:nvPr/>
+        </p:nvSpPr>
+        <p:spPr>
+          <a:xfrm>
+            <a:off x="114677" y="6172611"/>
+            <a:ext cx="5532120" cy="461665"/>
+          </a:xfrm>
+          <a:prstGeom prst="rect">
+            <a:avLst/>
+          </a:prstGeom>
+          <a:noFill/>
+        </p:spPr>
+        <p:txBody>
+          <a:bodyPr wrap="square">
+            <a:spAutoFit/>
+          </a:bodyPr>
+          <a:lstStyle/>
+          <a:p>
+            <a:pPr algn="l"/>
+            <a:r>
+              <a:rPr lang="th-TH" sz="2400" dirty="0">
+                <a:latin typeface="TH SarabunPSK" panose="020B0500040200020003" pitchFamily="34" charset="-34"/>
+                <a:cs typeface="TH SarabunPSK" panose="020B0500040200020003" pitchFamily="34" charset="-34"/>
+              </a:rPr>
+              <a:t>โดย ผศ</a:t>
+            </a:r>
+            <a:r>
+              <a:rPr lang="en-US" sz="2400" dirty="0">
+                <a:latin typeface="TH SarabunPSK" panose="020B0500040200020003" pitchFamily="34" charset="-34"/>
+                <a:cs typeface="TH SarabunPSK" panose="020B0500040200020003" pitchFamily="34" charset="-34"/>
+              </a:rPr>
+              <a:t>. </a:t>
+            </a:r>
+            <a:r>
+              <a:rPr lang="th-TH" sz="2400" dirty="0">
+                <a:latin typeface="TH SarabunPSK" panose="020B0500040200020003" pitchFamily="34" charset="-34"/>
+                <a:cs typeface="TH SarabunPSK" panose="020B0500040200020003" pitchFamily="34" charset="-34"/>
+              </a:rPr>
+              <a:t>ดร</a:t>
+            </a:r>
+            <a:r>
+              <a:rPr lang="en-US" sz="2400" dirty="0">
+                <a:latin typeface="TH SarabunPSK" panose="020B0500040200020003" pitchFamily="34" charset="-34"/>
+                <a:cs typeface="TH SarabunPSK" panose="020B0500040200020003" pitchFamily="34" charset="-34"/>
+              </a:rPr>
+              <a:t>.</a:t>
+            </a:r>
+            <a:r>
+              <a:rPr lang="th-TH" sz="2400" dirty="0">
+                <a:latin typeface="TH SarabunPSK" panose="020B0500040200020003" pitchFamily="34" charset="-34"/>
+                <a:cs typeface="TH SarabunPSK" panose="020B0500040200020003" pitchFamily="34" charset="-34"/>
+              </a:rPr>
+              <a:t>ธนพงศ์ อินทระ สาขาวิชาสถิติ มหาวิทยาลัยขอนแก่น </a:t>
+            </a:r>
+          </a:p>
+        </p:txBody>
+      </p:sp>
     </p:spTree>
     <p:extLst>
       <p:ext uri="{BB962C8B-B14F-4D97-AF65-F5344CB8AC3E}">
@@ -15242,6 +16118,73 @@
           </a:p>
         </p:txBody>
       </p:sp>
+      <p:sp>
+        <p:nvSpPr>
+          <p:cNvPr id="9" name="TextBox 8">
+            <a:extLst>
+              <a:ext uri="{FF2B5EF4-FFF2-40B4-BE49-F238E27FC236}">
+                <a16:creationId xmlns:a16="http://schemas.microsoft.com/office/drawing/2014/main" id="{42F53ED4-462B-BBA4-7F14-B61578FFD69A}"/>
+              </a:ext>
+            </a:extLst>
+          </p:cNvPr>
+          <p:cNvSpPr txBox="1"/>
+          <p:nvPr/>
+        </p:nvSpPr>
+        <p:spPr>
+          <a:xfrm>
+            <a:off x="114677" y="6172611"/>
+            <a:ext cx="5532120" cy="461665"/>
+          </a:xfrm>
+          <a:prstGeom prst="rect">
+            <a:avLst/>
+          </a:prstGeom>
+          <a:noFill/>
+        </p:spPr>
+        <p:txBody>
+          <a:bodyPr wrap="square">
+            <a:spAutoFit/>
+          </a:bodyPr>
+          <a:lstStyle/>
+          <a:p>
+            <a:pPr algn="l"/>
+            <a:r>
+              <a:rPr lang="th-TH" sz="2400" dirty="0">
+                <a:latin typeface="TH SarabunPSK" panose="020B0500040200020003" pitchFamily="34" charset="-34"/>
+                <a:cs typeface="TH SarabunPSK" panose="020B0500040200020003" pitchFamily="34" charset="-34"/>
+              </a:rPr>
+              <a:t>โดย ผศ</a:t>
+            </a:r>
+            <a:r>
+              <a:rPr lang="en-US" sz="2400" dirty="0">
+                <a:latin typeface="TH SarabunPSK" panose="020B0500040200020003" pitchFamily="34" charset="-34"/>
+                <a:cs typeface="TH SarabunPSK" panose="020B0500040200020003" pitchFamily="34" charset="-34"/>
+              </a:rPr>
+              <a:t>. </a:t>
+            </a:r>
+            <a:r>
+              <a:rPr lang="th-TH" sz="2400" dirty="0">
+                <a:latin typeface="TH SarabunPSK" panose="020B0500040200020003" pitchFamily="34" charset="-34"/>
+                <a:cs typeface="TH SarabunPSK" panose="020B0500040200020003" pitchFamily="34" charset="-34"/>
+              </a:rPr>
+              <a:t>ดร</a:t>
+            </a:r>
+            <a:r>
+              <a:rPr lang="en-US" sz="2400" dirty="0">
+                <a:latin typeface="TH SarabunPSK" panose="020B0500040200020003" pitchFamily="34" charset="-34"/>
+                <a:cs typeface="TH SarabunPSK" panose="020B0500040200020003" pitchFamily="34" charset="-34"/>
+              </a:rPr>
+              <a:t>.</a:t>
+            </a:r>
+            <a:r>
+              <a:rPr lang="th-TH" sz="2400" dirty="0">
+                <a:latin typeface="TH SarabunPSK" panose="020B0500040200020003" pitchFamily="34" charset="-34"/>
+                <a:cs typeface="TH SarabunPSK" panose="020B0500040200020003" pitchFamily="34" charset="-34"/>
+              </a:rPr>
+              <a:t>ธนพงศ์ อินทระ สาขาวิชาสถิติ มหาวิทยาลัยขอนแก่น </a:t>
+            </a:r>
+          </a:p>
+        </p:txBody>
+      </p:sp>
     </p:spTree>
     <p:extLst>
       <p:ext uri="{BB962C8B-B14F-4D97-AF65-F5344CB8AC3E}">
@@ -16044,6 +16987,73 @@
           </a:p>
           <a:p>
             <a:endParaRPr lang="en-US" dirty="0"/>
+          </a:p>
+        </p:txBody>
+      </p:sp>
+      <p:sp>
+        <p:nvSpPr>
+          <p:cNvPr id="9" name="TextBox 8">
+            <a:extLst>
+              <a:ext uri="{FF2B5EF4-FFF2-40B4-BE49-F238E27FC236}">
+                <a16:creationId xmlns:a16="http://schemas.microsoft.com/office/drawing/2014/main" id="{3CB7979D-C967-52F5-824D-91CAC6D11BC3}"/>
+              </a:ext>
+            </a:extLst>
+          </p:cNvPr>
+          <p:cNvSpPr txBox="1"/>
+          <p:nvPr/>
+        </p:nvSpPr>
+        <p:spPr>
+          <a:xfrm>
+            <a:off x="114677" y="6172611"/>
+            <a:ext cx="5532120" cy="461665"/>
+          </a:xfrm>
+          <a:prstGeom prst="rect">
+            <a:avLst/>
+          </a:prstGeom>
+          <a:noFill/>
+        </p:spPr>
+        <p:txBody>
+          <a:bodyPr wrap="square">
+            <a:spAutoFit/>
+          </a:bodyPr>
+          <a:lstStyle/>
+          <a:p>
+            <a:pPr algn="l"/>
+            <a:r>
+              <a:rPr lang="th-TH" sz="2400" dirty="0">
+                <a:latin typeface="TH SarabunPSK" panose="020B0500040200020003" pitchFamily="34" charset="-34"/>
+                <a:cs typeface="TH SarabunPSK" panose="020B0500040200020003" pitchFamily="34" charset="-34"/>
+              </a:rPr>
+              <a:t>โดย ผศ</a:t>
+            </a:r>
+            <a:r>
+              <a:rPr lang="en-US" sz="2400" dirty="0">
+                <a:latin typeface="TH SarabunPSK" panose="020B0500040200020003" pitchFamily="34" charset="-34"/>
+                <a:cs typeface="TH SarabunPSK" panose="020B0500040200020003" pitchFamily="34" charset="-34"/>
+              </a:rPr>
+              <a:t>. </a:t>
+            </a:r>
+            <a:r>
+              <a:rPr lang="th-TH" sz="2400" dirty="0">
+                <a:latin typeface="TH SarabunPSK" panose="020B0500040200020003" pitchFamily="34" charset="-34"/>
+                <a:cs typeface="TH SarabunPSK" panose="020B0500040200020003" pitchFamily="34" charset="-34"/>
+              </a:rPr>
+              <a:t>ดร</a:t>
+            </a:r>
+            <a:r>
+              <a:rPr lang="en-US" sz="2400" dirty="0">
+                <a:latin typeface="TH SarabunPSK" panose="020B0500040200020003" pitchFamily="34" charset="-34"/>
+                <a:cs typeface="TH SarabunPSK" panose="020B0500040200020003" pitchFamily="34" charset="-34"/>
+              </a:rPr>
+              <a:t>.</a:t>
+            </a:r>
+            <a:r>
+              <a:rPr lang="th-TH" sz="2400" dirty="0">
+                <a:latin typeface="TH SarabunPSK" panose="020B0500040200020003" pitchFamily="34" charset="-34"/>
+                <a:cs typeface="TH SarabunPSK" panose="020B0500040200020003" pitchFamily="34" charset="-34"/>
+              </a:rPr>
+              <a:t>ธนพงศ์ อินทระ สาขาวิชาสถิติ มหาวิทยาลัยขอนแก่น </a:t>
+            </a:r>
           </a:p>
         </p:txBody>
       </p:sp>
